--- a/Fifohazana/Fifohazana 10.pptx
+++ b/Fifohazana/Fifohazana 10.pptx
@@ -172,10 +172,9 @@
           <a:lstStyle/>
           <a:p>
             <a:r>
-              <a:rPr lang="fr-FR" smtClean="0"/>
+              <a:rPr lang="fr-FR"/>
               <a:t>Cliquez pour modifier le style du titre</a:t>
             </a:r>
-            <a:endParaRPr lang="fr-FR"/>
           </a:p>
         </p:txBody>
       </p:sp>
@@ -291,10 +290,9 @@
           </a:lstStyle>
           <a:p>
             <a:r>
-              <a:rPr lang="fr-FR" smtClean="0"/>
+              <a:rPr lang="fr-FR"/>
               <a:t>Cliquez pour modifier le style des sous-titres du masque</a:t>
             </a:r>
-            <a:endParaRPr lang="fr-FR"/>
           </a:p>
         </p:txBody>
       </p:sp>
@@ -316,7 +314,7 @@
             <a:fld id="{E1E9137A-D7C1-4F8C-A62B-C89ADD9F06F3}" type="datetimeFigureOut">
               <a:rPr lang="fr-FR" smtClean="0"/>
               <a:pPr/>
-              <a:t>12/09/2021</a:t>
+              <a:t>26/11/2023</a:t>
             </a:fld>
             <a:endParaRPr lang="fr-FR"/>
           </a:p>
@@ -406,10 +404,9 @@
           <a:lstStyle/>
           <a:p>
             <a:r>
-              <a:rPr lang="fr-FR" smtClean="0"/>
+              <a:rPr lang="fr-FR"/>
               <a:t>Cliquez pour modifier le style du titre</a:t>
             </a:r>
-            <a:endParaRPr lang="fr-FR"/>
           </a:p>
         </p:txBody>
       </p:sp>
@@ -430,38 +427,37 @@
           <a:p>
             <a:pPr lvl="0"/>
             <a:r>
-              <a:rPr lang="fr-FR" smtClean="0"/>
+              <a:rPr lang="fr-FR"/>
               <a:t>Cliquez pour modifier les styles du texte du masque</a:t>
             </a:r>
           </a:p>
           <a:p>
             <a:pPr lvl="1"/>
             <a:r>
-              <a:rPr lang="fr-FR" smtClean="0"/>
+              <a:rPr lang="fr-FR"/>
               <a:t>Deuxième niveau</a:t>
             </a:r>
           </a:p>
           <a:p>
             <a:pPr lvl="2"/>
             <a:r>
-              <a:rPr lang="fr-FR" smtClean="0"/>
+              <a:rPr lang="fr-FR"/>
               <a:t>Troisième niveau</a:t>
             </a:r>
           </a:p>
           <a:p>
             <a:pPr lvl="3"/>
             <a:r>
-              <a:rPr lang="fr-FR" smtClean="0"/>
+              <a:rPr lang="fr-FR"/>
               <a:t>Quatrième niveau</a:t>
             </a:r>
           </a:p>
           <a:p>
             <a:pPr lvl="4"/>
             <a:r>
-              <a:rPr lang="fr-FR" smtClean="0"/>
+              <a:rPr lang="fr-FR"/>
               <a:t>Cinquième niveau</a:t>
             </a:r>
-            <a:endParaRPr lang="fr-FR"/>
           </a:p>
         </p:txBody>
       </p:sp>
@@ -483,7 +479,7 @@
             <a:fld id="{E1E9137A-D7C1-4F8C-A62B-C89ADD9F06F3}" type="datetimeFigureOut">
               <a:rPr lang="fr-FR" smtClean="0"/>
               <a:pPr/>
-              <a:t>12/09/2021</a:t>
+              <a:t>26/11/2023</a:t>
             </a:fld>
             <a:endParaRPr lang="fr-FR"/>
           </a:p>
@@ -578,10 +574,9 @@
           <a:lstStyle/>
           <a:p>
             <a:r>
-              <a:rPr lang="fr-FR" smtClean="0"/>
+              <a:rPr lang="fr-FR"/>
               <a:t>Cliquez pour modifier le style du titre</a:t>
             </a:r>
-            <a:endParaRPr lang="fr-FR"/>
           </a:p>
         </p:txBody>
       </p:sp>
@@ -607,38 +602,37 @@
           <a:p>
             <a:pPr lvl="0"/>
             <a:r>
-              <a:rPr lang="fr-FR" smtClean="0"/>
+              <a:rPr lang="fr-FR"/>
               <a:t>Cliquez pour modifier les styles du texte du masque</a:t>
             </a:r>
           </a:p>
           <a:p>
             <a:pPr lvl="1"/>
             <a:r>
-              <a:rPr lang="fr-FR" smtClean="0"/>
+              <a:rPr lang="fr-FR"/>
               <a:t>Deuxième niveau</a:t>
             </a:r>
           </a:p>
           <a:p>
             <a:pPr lvl="2"/>
             <a:r>
-              <a:rPr lang="fr-FR" smtClean="0"/>
+              <a:rPr lang="fr-FR"/>
               <a:t>Troisième niveau</a:t>
             </a:r>
           </a:p>
           <a:p>
             <a:pPr lvl="3"/>
             <a:r>
-              <a:rPr lang="fr-FR" smtClean="0"/>
+              <a:rPr lang="fr-FR"/>
               <a:t>Quatrième niveau</a:t>
             </a:r>
           </a:p>
           <a:p>
             <a:pPr lvl="4"/>
             <a:r>
-              <a:rPr lang="fr-FR" smtClean="0"/>
+              <a:rPr lang="fr-FR"/>
               <a:t>Cinquième niveau</a:t>
             </a:r>
-            <a:endParaRPr lang="fr-FR"/>
           </a:p>
         </p:txBody>
       </p:sp>
@@ -660,7 +654,7 @@
             <a:fld id="{E1E9137A-D7C1-4F8C-A62B-C89ADD9F06F3}" type="datetimeFigureOut">
               <a:rPr lang="fr-FR" smtClean="0"/>
               <a:pPr/>
-              <a:t>12/09/2021</a:t>
+              <a:t>26/11/2023</a:t>
             </a:fld>
             <a:endParaRPr lang="fr-FR"/>
           </a:p>
@@ -750,10 +744,9 @@
           <a:lstStyle/>
           <a:p>
             <a:r>
-              <a:rPr lang="fr-FR" smtClean="0"/>
+              <a:rPr lang="fr-FR"/>
               <a:t>Cliquez pour modifier le style du titre</a:t>
             </a:r>
-            <a:endParaRPr lang="fr-FR"/>
           </a:p>
         </p:txBody>
       </p:sp>
@@ -774,38 +767,37 @@
           <a:p>
             <a:pPr lvl="0"/>
             <a:r>
-              <a:rPr lang="fr-FR" smtClean="0"/>
+              <a:rPr lang="fr-FR"/>
               <a:t>Cliquez pour modifier les styles du texte du masque</a:t>
             </a:r>
           </a:p>
           <a:p>
             <a:pPr lvl="1"/>
             <a:r>
-              <a:rPr lang="fr-FR" smtClean="0"/>
+              <a:rPr lang="fr-FR"/>
               <a:t>Deuxième niveau</a:t>
             </a:r>
           </a:p>
           <a:p>
             <a:pPr lvl="2"/>
             <a:r>
-              <a:rPr lang="fr-FR" smtClean="0"/>
+              <a:rPr lang="fr-FR"/>
               <a:t>Troisième niveau</a:t>
             </a:r>
           </a:p>
           <a:p>
             <a:pPr lvl="3"/>
             <a:r>
-              <a:rPr lang="fr-FR" smtClean="0"/>
+              <a:rPr lang="fr-FR"/>
               <a:t>Quatrième niveau</a:t>
             </a:r>
           </a:p>
           <a:p>
             <a:pPr lvl="4"/>
             <a:r>
-              <a:rPr lang="fr-FR" smtClean="0"/>
+              <a:rPr lang="fr-FR"/>
               <a:t>Cinquième niveau</a:t>
             </a:r>
-            <a:endParaRPr lang="fr-FR"/>
           </a:p>
         </p:txBody>
       </p:sp>
@@ -827,7 +819,7 @@
             <a:fld id="{E1E9137A-D7C1-4F8C-A62B-C89ADD9F06F3}" type="datetimeFigureOut">
               <a:rPr lang="fr-FR" smtClean="0"/>
               <a:pPr/>
-              <a:t>12/09/2021</a:t>
+              <a:t>26/11/2023</a:t>
             </a:fld>
             <a:endParaRPr lang="fr-FR"/>
           </a:p>
@@ -926,10 +918,9 @@
           </a:lstStyle>
           <a:p>
             <a:r>
-              <a:rPr lang="fr-FR" smtClean="0"/>
+              <a:rPr lang="fr-FR"/>
               <a:t>Cliquez pour modifier le style du titre</a:t>
             </a:r>
-            <a:endParaRPr lang="fr-FR"/>
           </a:p>
         </p:txBody>
       </p:sp>
@@ -1046,7 +1037,7 @@
           <a:p>
             <a:pPr lvl="0"/>
             <a:r>
-              <a:rPr lang="fr-FR" smtClean="0"/>
+              <a:rPr lang="fr-FR"/>
               <a:t>Cliquez pour modifier les styles du texte du masque</a:t>
             </a:r>
           </a:p>
@@ -1070,7 +1061,7 @@
             <a:fld id="{E1E9137A-D7C1-4F8C-A62B-C89ADD9F06F3}" type="datetimeFigureOut">
               <a:rPr lang="fr-FR" smtClean="0"/>
               <a:pPr/>
-              <a:t>12/09/2021</a:t>
+              <a:t>26/11/2023</a:t>
             </a:fld>
             <a:endParaRPr lang="fr-FR"/>
           </a:p>
@@ -1160,10 +1151,9 @@
           <a:lstStyle/>
           <a:p>
             <a:r>
-              <a:rPr lang="fr-FR" smtClean="0"/>
+              <a:rPr lang="fr-FR"/>
               <a:t>Cliquez pour modifier le style du titre</a:t>
             </a:r>
-            <a:endParaRPr lang="fr-FR"/>
           </a:p>
         </p:txBody>
       </p:sp>
@@ -1217,38 +1207,37 @@
           <a:p>
             <a:pPr lvl="0"/>
             <a:r>
-              <a:rPr lang="fr-FR" smtClean="0"/>
+              <a:rPr lang="fr-FR"/>
               <a:t>Cliquez pour modifier les styles du texte du masque</a:t>
             </a:r>
           </a:p>
           <a:p>
             <a:pPr lvl="1"/>
             <a:r>
-              <a:rPr lang="fr-FR" smtClean="0"/>
+              <a:rPr lang="fr-FR"/>
               <a:t>Deuxième niveau</a:t>
             </a:r>
           </a:p>
           <a:p>
             <a:pPr lvl="2"/>
             <a:r>
-              <a:rPr lang="fr-FR" smtClean="0"/>
+              <a:rPr lang="fr-FR"/>
               <a:t>Troisième niveau</a:t>
             </a:r>
           </a:p>
           <a:p>
             <a:pPr lvl="3"/>
             <a:r>
-              <a:rPr lang="fr-FR" smtClean="0"/>
+              <a:rPr lang="fr-FR"/>
               <a:t>Quatrième niveau</a:t>
             </a:r>
           </a:p>
           <a:p>
             <a:pPr lvl="4"/>
             <a:r>
-              <a:rPr lang="fr-FR" smtClean="0"/>
+              <a:rPr lang="fr-FR"/>
               <a:t>Cinquième niveau</a:t>
             </a:r>
-            <a:endParaRPr lang="fr-FR"/>
           </a:p>
         </p:txBody>
       </p:sp>
@@ -1302,38 +1291,37 @@
           <a:p>
             <a:pPr lvl="0"/>
             <a:r>
-              <a:rPr lang="fr-FR" smtClean="0"/>
+              <a:rPr lang="fr-FR"/>
               <a:t>Cliquez pour modifier les styles du texte du masque</a:t>
             </a:r>
           </a:p>
           <a:p>
             <a:pPr lvl="1"/>
             <a:r>
-              <a:rPr lang="fr-FR" smtClean="0"/>
+              <a:rPr lang="fr-FR"/>
               <a:t>Deuxième niveau</a:t>
             </a:r>
           </a:p>
           <a:p>
             <a:pPr lvl="2"/>
             <a:r>
-              <a:rPr lang="fr-FR" smtClean="0"/>
+              <a:rPr lang="fr-FR"/>
               <a:t>Troisième niveau</a:t>
             </a:r>
           </a:p>
           <a:p>
             <a:pPr lvl="3"/>
             <a:r>
-              <a:rPr lang="fr-FR" smtClean="0"/>
+              <a:rPr lang="fr-FR"/>
               <a:t>Quatrième niveau</a:t>
             </a:r>
           </a:p>
           <a:p>
             <a:pPr lvl="4"/>
             <a:r>
-              <a:rPr lang="fr-FR" smtClean="0"/>
+              <a:rPr lang="fr-FR"/>
               <a:t>Cinquième niveau</a:t>
             </a:r>
-            <a:endParaRPr lang="fr-FR"/>
           </a:p>
         </p:txBody>
       </p:sp>
@@ -1355,7 +1343,7 @@
             <a:fld id="{E1E9137A-D7C1-4F8C-A62B-C89ADD9F06F3}" type="datetimeFigureOut">
               <a:rPr lang="fr-FR" smtClean="0"/>
               <a:pPr/>
-              <a:t>12/09/2021</a:t>
+              <a:t>26/11/2023</a:t>
             </a:fld>
             <a:endParaRPr lang="fr-FR"/>
           </a:p>
@@ -1449,10 +1437,9 @@
           </a:lstStyle>
           <a:p>
             <a:r>
-              <a:rPr lang="fr-FR" smtClean="0"/>
+              <a:rPr lang="fr-FR"/>
               <a:t>Cliquez pour modifier le style du titre</a:t>
             </a:r>
-            <a:endParaRPr lang="fr-FR"/>
           </a:p>
         </p:txBody>
       </p:sp>
@@ -1515,7 +1502,7 @@
           <a:p>
             <a:pPr lvl="0"/>
             <a:r>
-              <a:rPr lang="fr-FR" smtClean="0"/>
+              <a:rPr lang="fr-FR"/>
               <a:t>Cliquez pour modifier les styles du texte du masque</a:t>
             </a:r>
           </a:p>
@@ -1571,38 +1558,37 @@
           <a:p>
             <a:pPr lvl="0"/>
             <a:r>
-              <a:rPr lang="fr-FR" smtClean="0"/>
+              <a:rPr lang="fr-FR"/>
               <a:t>Cliquez pour modifier les styles du texte du masque</a:t>
             </a:r>
           </a:p>
           <a:p>
             <a:pPr lvl="1"/>
             <a:r>
-              <a:rPr lang="fr-FR" smtClean="0"/>
+              <a:rPr lang="fr-FR"/>
               <a:t>Deuxième niveau</a:t>
             </a:r>
           </a:p>
           <a:p>
             <a:pPr lvl="2"/>
             <a:r>
-              <a:rPr lang="fr-FR" smtClean="0"/>
+              <a:rPr lang="fr-FR"/>
               <a:t>Troisième niveau</a:t>
             </a:r>
           </a:p>
           <a:p>
             <a:pPr lvl="3"/>
             <a:r>
-              <a:rPr lang="fr-FR" smtClean="0"/>
+              <a:rPr lang="fr-FR"/>
               <a:t>Quatrième niveau</a:t>
             </a:r>
           </a:p>
           <a:p>
             <a:pPr lvl="4"/>
             <a:r>
-              <a:rPr lang="fr-FR" smtClean="0"/>
+              <a:rPr lang="fr-FR"/>
               <a:t>Cinquième niveau</a:t>
             </a:r>
-            <a:endParaRPr lang="fr-FR"/>
           </a:p>
         </p:txBody>
       </p:sp>
@@ -1665,7 +1651,7 @@
           <a:p>
             <a:pPr lvl="0"/>
             <a:r>
-              <a:rPr lang="fr-FR" smtClean="0"/>
+              <a:rPr lang="fr-FR"/>
               <a:t>Cliquez pour modifier les styles du texte du masque</a:t>
             </a:r>
           </a:p>
@@ -1721,38 +1707,37 @@
           <a:p>
             <a:pPr lvl="0"/>
             <a:r>
-              <a:rPr lang="fr-FR" smtClean="0"/>
+              <a:rPr lang="fr-FR"/>
               <a:t>Cliquez pour modifier les styles du texte du masque</a:t>
             </a:r>
           </a:p>
           <a:p>
             <a:pPr lvl="1"/>
             <a:r>
-              <a:rPr lang="fr-FR" smtClean="0"/>
+              <a:rPr lang="fr-FR"/>
               <a:t>Deuxième niveau</a:t>
             </a:r>
           </a:p>
           <a:p>
             <a:pPr lvl="2"/>
             <a:r>
-              <a:rPr lang="fr-FR" smtClean="0"/>
+              <a:rPr lang="fr-FR"/>
               <a:t>Troisième niveau</a:t>
             </a:r>
           </a:p>
           <a:p>
             <a:pPr lvl="3"/>
             <a:r>
-              <a:rPr lang="fr-FR" smtClean="0"/>
+              <a:rPr lang="fr-FR"/>
               <a:t>Quatrième niveau</a:t>
             </a:r>
           </a:p>
           <a:p>
             <a:pPr lvl="4"/>
             <a:r>
-              <a:rPr lang="fr-FR" smtClean="0"/>
+              <a:rPr lang="fr-FR"/>
               <a:t>Cinquième niveau</a:t>
             </a:r>
-            <a:endParaRPr lang="fr-FR"/>
           </a:p>
         </p:txBody>
       </p:sp>
@@ -1774,7 +1759,7 @@
             <a:fld id="{E1E9137A-D7C1-4F8C-A62B-C89ADD9F06F3}" type="datetimeFigureOut">
               <a:rPr lang="fr-FR" smtClean="0"/>
               <a:pPr/>
-              <a:t>12/09/2021</a:t>
+              <a:t>26/11/2023</a:t>
             </a:fld>
             <a:endParaRPr lang="fr-FR"/>
           </a:p>
@@ -1864,10 +1849,9 @@
           <a:lstStyle/>
           <a:p>
             <a:r>
-              <a:rPr lang="fr-FR" smtClean="0"/>
+              <a:rPr lang="fr-FR"/>
               <a:t>Cliquez pour modifier le style du titre</a:t>
             </a:r>
-            <a:endParaRPr lang="fr-FR"/>
           </a:p>
         </p:txBody>
       </p:sp>
@@ -1889,7 +1873,7 @@
             <a:fld id="{E1E9137A-D7C1-4F8C-A62B-C89ADD9F06F3}" type="datetimeFigureOut">
               <a:rPr lang="fr-FR" smtClean="0"/>
               <a:pPr/>
-              <a:t>12/09/2021</a:t>
+              <a:t>26/11/2023</a:t>
             </a:fld>
             <a:endParaRPr lang="fr-FR"/>
           </a:p>
@@ -1981,7 +1965,7 @@
             <a:fld id="{E1E9137A-D7C1-4F8C-A62B-C89ADD9F06F3}" type="datetimeFigureOut">
               <a:rPr lang="fr-FR" smtClean="0"/>
               <a:pPr/>
-              <a:t>12/09/2021</a:t>
+              <a:t>26/11/2023</a:t>
             </a:fld>
             <a:endParaRPr lang="fr-FR"/>
           </a:p>
@@ -2080,10 +2064,9 @@
           </a:lstStyle>
           <a:p>
             <a:r>
-              <a:rPr lang="fr-FR" smtClean="0"/>
+              <a:rPr lang="fr-FR"/>
               <a:t>Cliquez pour modifier le style du titre</a:t>
             </a:r>
-            <a:endParaRPr lang="fr-FR"/>
           </a:p>
         </p:txBody>
       </p:sp>
@@ -2137,38 +2120,37 @@
           <a:p>
             <a:pPr lvl="0"/>
             <a:r>
-              <a:rPr lang="fr-FR" smtClean="0"/>
+              <a:rPr lang="fr-FR"/>
               <a:t>Cliquez pour modifier les styles du texte du masque</a:t>
             </a:r>
           </a:p>
           <a:p>
             <a:pPr lvl="1"/>
             <a:r>
-              <a:rPr lang="fr-FR" smtClean="0"/>
+              <a:rPr lang="fr-FR"/>
               <a:t>Deuxième niveau</a:t>
             </a:r>
           </a:p>
           <a:p>
             <a:pPr lvl="2"/>
             <a:r>
-              <a:rPr lang="fr-FR" smtClean="0"/>
+              <a:rPr lang="fr-FR"/>
               <a:t>Troisième niveau</a:t>
             </a:r>
           </a:p>
           <a:p>
             <a:pPr lvl="3"/>
             <a:r>
-              <a:rPr lang="fr-FR" smtClean="0"/>
+              <a:rPr lang="fr-FR"/>
               <a:t>Quatrième niveau</a:t>
             </a:r>
           </a:p>
           <a:p>
             <a:pPr lvl="4"/>
             <a:r>
-              <a:rPr lang="fr-FR" smtClean="0"/>
+              <a:rPr lang="fr-FR"/>
               <a:t>Cinquième niveau</a:t>
             </a:r>
-            <a:endParaRPr lang="fr-FR"/>
           </a:p>
         </p:txBody>
       </p:sp>
@@ -2231,7 +2213,7 @@
           <a:p>
             <a:pPr lvl="0"/>
             <a:r>
-              <a:rPr lang="fr-FR" smtClean="0"/>
+              <a:rPr lang="fr-FR"/>
               <a:t>Cliquez pour modifier les styles du texte du masque</a:t>
             </a:r>
           </a:p>
@@ -2255,7 +2237,7 @@
             <a:fld id="{E1E9137A-D7C1-4F8C-A62B-C89ADD9F06F3}" type="datetimeFigureOut">
               <a:rPr lang="fr-FR" smtClean="0"/>
               <a:pPr/>
-              <a:t>12/09/2021</a:t>
+              <a:t>26/11/2023</a:t>
             </a:fld>
             <a:endParaRPr lang="fr-FR"/>
           </a:p>
@@ -2354,10 +2336,9 @@
           </a:lstStyle>
           <a:p>
             <a:r>
-              <a:rPr lang="fr-FR" smtClean="0"/>
+              <a:rPr lang="fr-FR"/>
               <a:t>Cliquez pour modifier le style du titre</a:t>
             </a:r>
-            <a:endParaRPr lang="fr-FR"/>
           </a:p>
         </p:txBody>
       </p:sp>
@@ -2481,7 +2462,7 @@
           <a:p>
             <a:pPr lvl="0"/>
             <a:r>
-              <a:rPr lang="fr-FR" smtClean="0"/>
+              <a:rPr lang="fr-FR"/>
               <a:t>Cliquez pour modifier les styles du texte du masque</a:t>
             </a:r>
           </a:p>
@@ -2505,7 +2486,7 @@
             <a:fld id="{E1E9137A-D7C1-4F8C-A62B-C89ADD9F06F3}" type="datetimeFigureOut">
               <a:rPr lang="fr-FR" smtClean="0"/>
               <a:pPr/>
-              <a:t>12/09/2021</a:t>
+              <a:t>26/11/2023</a:t>
             </a:fld>
             <a:endParaRPr lang="fr-FR"/>
           </a:p>
@@ -2619,10 +2600,9 @@
           <a:lstStyle/>
           <a:p>
             <a:r>
-              <a:rPr lang="fr-FR" smtClean="0"/>
+              <a:rPr lang="fr-FR"/>
               <a:t>Cliquez pour modifier le style du titre</a:t>
             </a:r>
-            <a:endParaRPr lang="fr-FR"/>
           </a:p>
         </p:txBody>
       </p:sp>
@@ -2653,38 +2633,37 @@
           <a:p>
             <a:pPr lvl="0"/>
             <a:r>
-              <a:rPr lang="fr-FR" smtClean="0"/>
+              <a:rPr lang="fr-FR"/>
               <a:t>Cliquez pour modifier les styles du texte du masque</a:t>
             </a:r>
           </a:p>
           <a:p>
             <a:pPr lvl="1"/>
             <a:r>
-              <a:rPr lang="fr-FR" smtClean="0"/>
+              <a:rPr lang="fr-FR"/>
               <a:t>Deuxième niveau</a:t>
             </a:r>
           </a:p>
           <a:p>
             <a:pPr lvl="2"/>
             <a:r>
-              <a:rPr lang="fr-FR" smtClean="0"/>
+              <a:rPr lang="fr-FR"/>
               <a:t>Troisième niveau</a:t>
             </a:r>
           </a:p>
           <a:p>
             <a:pPr lvl="3"/>
             <a:r>
-              <a:rPr lang="fr-FR" smtClean="0"/>
+              <a:rPr lang="fr-FR"/>
               <a:t>Quatrième niveau</a:t>
             </a:r>
           </a:p>
           <a:p>
             <a:pPr lvl="4"/>
             <a:r>
-              <a:rPr lang="fr-FR" smtClean="0"/>
+              <a:rPr lang="fr-FR"/>
               <a:t>Cinquième niveau</a:t>
             </a:r>
-            <a:endParaRPr lang="fr-FR"/>
           </a:p>
         </p:txBody>
       </p:sp>
@@ -2724,7 +2703,7 @@
             <a:fld id="{E1E9137A-D7C1-4F8C-A62B-C89ADD9F06F3}" type="datetimeFigureOut">
               <a:rPr lang="fr-FR" smtClean="0"/>
               <a:pPr/>
-              <a:t>12/09/2021</a:t>
+              <a:t>26/11/2023</a:t>
             </a:fld>
             <a:endParaRPr lang="fr-FR"/>
           </a:p>
@@ -3118,7 +3097,7 @@
           <a:p>
             <a:pPr algn="ctr"/>
             <a:r>
-              <a:rPr lang="fi-FI" sz="5400" b="1" dirty="0" smtClean="0"/>
+              <a:rPr lang="fi-FI" sz="5400" b="1" dirty="0"/>
               <a:t>HIRA FIFOHAZANA</a:t>
             </a:r>
             <a:endParaRPr lang="fr-FR" sz="5400" dirty="0"/>
@@ -3148,7 +3127,7 @@
           <a:p>
             <a:pPr algn="ctr"/>
             <a:r>
-              <a:rPr lang="fi-FI" sz="19900" b="1" dirty="0" smtClean="0"/>
+              <a:rPr lang="fi-FI" sz="19900" b="1" dirty="0"/>
               <a:t>10</a:t>
             </a:r>
             <a:endParaRPr lang="fr-FR" sz="19900" dirty="0"/>
@@ -3207,38 +3186,38 @@
               </a:lnSpc>
             </a:pPr>
             <a:r>
-              <a:rPr lang="en-US" sz="5400" b="1" dirty="0" smtClean="0"/>
+              <a:rPr lang="en-US" sz="5400" b="1" dirty="0"/>
               <a:t>5.  </a:t>
             </a:r>
             <a:r>
-              <a:rPr lang="en-US" sz="5400" b="1" dirty="0" err="1" smtClean="0"/>
+              <a:rPr lang="en-US" sz="5400" b="1" dirty="0" err="1"/>
               <a:t>Tompo</a:t>
             </a:r>
             <a:r>
-              <a:rPr lang="en-US" sz="5400" b="1" dirty="0" smtClean="0"/>
+              <a:rPr lang="en-US" sz="5400" b="1" dirty="0"/>
               <a:t> </a:t>
             </a:r>
             <a:r>
-              <a:rPr lang="en-US" sz="5400" b="1" dirty="0" err="1" smtClean="0"/>
+              <a:rPr lang="en-US" sz="5400" b="1" dirty="0" err="1"/>
               <a:t>Izy</a:t>
             </a:r>
             <a:r>
-              <a:rPr lang="en-US" sz="5400" b="1" dirty="0" smtClean="0"/>
+              <a:rPr lang="en-US" sz="5400" b="1" dirty="0"/>
               <a:t>, ka </a:t>
             </a:r>
             <a:r>
-              <a:rPr lang="en-US" sz="5400" b="1" dirty="0" err="1" smtClean="0"/>
+              <a:rPr lang="en-US" sz="5400" b="1" dirty="0" err="1"/>
               <a:t>atero</a:t>
             </a:r>
             <a:r>
-              <a:rPr lang="en-US" sz="5400" b="1" dirty="0" smtClean="0"/>
+              <a:rPr lang="en-US" sz="5400" b="1" dirty="0"/>
               <a:t> </a:t>
             </a:r>
             <a:r>
-              <a:rPr lang="en-US" sz="5400" b="1" dirty="0" err="1" smtClean="0"/>
+              <a:rPr lang="en-US" sz="5400" b="1" dirty="0" err="1"/>
               <a:t>hasina</a:t>
             </a:r>
-            <a:endParaRPr lang="fr-FR" sz="5400" b="1" dirty="0" smtClean="0"/>
+            <a:endParaRPr lang="fr-FR" sz="5400" b="1" dirty="0"/>
           </a:p>
           <a:p>
             <a:pPr algn="ctr">
@@ -3247,42 +3226,42 @@
               </a:lnSpc>
             </a:pPr>
             <a:r>
-              <a:rPr lang="en-US" sz="5400" b="1" dirty="0" err="1" smtClean="0"/>
+              <a:rPr lang="en-US" sz="5400" b="1" dirty="0" err="1"/>
               <a:t>Vola</a:t>
             </a:r>
             <a:r>
-              <a:rPr lang="en-US" sz="5400" b="1" dirty="0" smtClean="0"/>
+              <a:rPr lang="en-US" sz="5400" b="1" dirty="0"/>
               <a:t> </a:t>
             </a:r>
             <a:r>
-              <a:rPr lang="en-US" sz="5400" b="1" dirty="0" err="1" smtClean="0"/>
+              <a:rPr lang="en-US" sz="5400" b="1" dirty="0" err="1"/>
               <a:t>sy</a:t>
             </a:r>
             <a:r>
-              <a:rPr lang="en-US" sz="5400" b="1" dirty="0" smtClean="0"/>
+              <a:rPr lang="en-US" sz="5400" b="1" dirty="0"/>
               <a:t> </a:t>
             </a:r>
             <a:r>
-              <a:rPr lang="en-US" sz="5400" b="1" dirty="0" err="1" smtClean="0"/>
+              <a:rPr lang="en-US" sz="5400" b="1" dirty="0" err="1"/>
               <a:t>harena</a:t>
             </a:r>
             <a:r>
-              <a:rPr lang="en-US" sz="5400" b="1" dirty="0" smtClean="0"/>
+              <a:rPr lang="en-US" sz="5400" b="1" dirty="0"/>
               <a:t>, </a:t>
             </a:r>
             <a:r>
-              <a:rPr lang="en-US" sz="5400" b="1" dirty="0" err="1" smtClean="0"/>
+              <a:rPr lang="en-US" sz="5400" b="1" dirty="0" err="1"/>
               <a:t>Azy</a:t>
             </a:r>
             <a:r>
-              <a:rPr lang="en-US" sz="5400" b="1" dirty="0" smtClean="0"/>
+              <a:rPr lang="en-US" sz="5400" b="1" dirty="0"/>
               <a:t> </a:t>
             </a:r>
             <a:r>
-              <a:rPr lang="en-US" sz="5400" b="1" dirty="0" err="1" smtClean="0"/>
+              <a:rPr lang="en-US" sz="5400" b="1" dirty="0" err="1"/>
               <a:t>rahateo</a:t>
             </a:r>
-            <a:endParaRPr lang="fr-FR" sz="5400" b="1" dirty="0" smtClean="0"/>
+            <a:endParaRPr lang="fr-FR" sz="5400" b="1" dirty="0"/>
           </a:p>
           <a:p>
             <a:pPr algn="ctr">
@@ -3291,26 +3270,26 @@
               </a:lnSpc>
             </a:pPr>
             <a:r>
-              <a:rPr lang="en-US" sz="5400" b="1" dirty="0" err="1" smtClean="0"/>
+              <a:rPr lang="en-US" sz="5400" b="1" dirty="0" err="1"/>
               <a:t>Hianao</a:t>
             </a:r>
             <a:r>
-              <a:rPr lang="en-US" sz="5400" b="1" dirty="0" smtClean="0"/>
+              <a:rPr lang="en-US" sz="5400" b="1" dirty="0"/>
               <a:t> no </a:t>
             </a:r>
             <a:r>
-              <a:rPr lang="en-US" sz="5400" b="1" dirty="0" err="1" smtClean="0"/>
+              <a:rPr lang="en-US" sz="5400" b="1" dirty="0" err="1"/>
               <a:t>sitrany</a:t>
             </a:r>
             <a:r>
-              <a:rPr lang="en-US" sz="5400" b="1" dirty="0" smtClean="0"/>
+              <a:rPr lang="en-US" sz="5400" b="1" dirty="0"/>
               <a:t> ho </a:t>
             </a:r>
             <a:r>
-              <a:rPr lang="en-US" sz="5400" b="1" dirty="0" err="1" smtClean="0"/>
+              <a:rPr lang="en-US" sz="5400" b="1" dirty="0" err="1"/>
               <a:t>raisiny</a:t>
             </a:r>
-            <a:endParaRPr lang="fr-FR" sz="5400" b="1" dirty="0" smtClean="0"/>
+            <a:endParaRPr lang="fr-FR" sz="5400" b="1" dirty="0"/>
           </a:p>
           <a:p>
             <a:pPr algn="ctr">
@@ -3319,22 +3298,22 @@
               </a:lnSpc>
             </a:pPr>
             <a:r>
-              <a:rPr lang="en-US" sz="5400" b="1" dirty="0" err="1" smtClean="0"/>
+              <a:rPr lang="en-US" sz="5400" b="1" dirty="0" err="1"/>
               <a:t>Manolotra</a:t>
             </a:r>
             <a:r>
-              <a:rPr lang="en-US" sz="5400" b="1" dirty="0" smtClean="0"/>
+              <a:rPr lang="en-US" sz="5400" b="1" dirty="0"/>
               <a:t> </a:t>
             </a:r>
             <a:r>
-              <a:rPr lang="en-US" sz="5400" b="1" dirty="0" err="1" smtClean="0"/>
+              <a:rPr lang="en-US" sz="5400" b="1" dirty="0" err="1"/>
               <a:t>tena</a:t>
             </a:r>
             <a:r>
-              <a:rPr lang="en-US" sz="5400" b="1" dirty="0" smtClean="0"/>
+              <a:rPr lang="en-US" sz="5400" b="1" dirty="0"/>
               <a:t> re!</a:t>
             </a:r>
-            <a:endParaRPr lang="fr-FR" sz="5400" b="1" dirty="0" smtClean="0"/>
+            <a:endParaRPr lang="fr-FR" sz="5400" b="1" dirty="0"/>
           </a:p>
         </p:txBody>
       </p:sp>
@@ -3343,13 +3322,6 @@
   <p:clrMapOvr>
     <a:masterClrMapping/>
   </p:clrMapOvr>
-  <p:timing>
-    <p:tnLst>
-      <p:par>
-        <p:cTn id="1" dur="indefinite" restart="never" nodeType="tmRoot"/>
-      </p:par>
-    </p:tnLst>
-  </p:timing>
 </p:sld>
 </file>
 
@@ -3393,82 +3365,82 @@
           <a:p>
             <a:pPr algn="ctr"/>
             <a:r>
-              <a:rPr lang="en-US" sz="6000" b="1" i="1" dirty="0" err="1" smtClean="0"/>
+              <a:rPr lang="en-US" sz="6000" b="1" i="1" dirty="0" err="1"/>
               <a:t>Saotra</a:t>
             </a:r>
             <a:r>
-              <a:rPr lang="en-US" sz="6000" b="1" i="1" dirty="0" smtClean="0"/>
+              <a:rPr lang="en-US" sz="6000" b="1" i="1" dirty="0"/>
               <a:t>! </a:t>
             </a:r>
             <a:r>
-              <a:rPr lang="en-US" sz="6000" b="1" i="1" dirty="0" err="1" smtClean="0"/>
+              <a:rPr lang="en-US" sz="6000" b="1" i="1" dirty="0" err="1"/>
               <a:t>Hira</a:t>
             </a:r>
             <a:r>
-              <a:rPr lang="en-US" sz="6000" b="1" i="1" dirty="0" smtClean="0"/>
+              <a:rPr lang="en-US" sz="6000" b="1" i="1" dirty="0"/>
               <a:t> </a:t>
             </a:r>
             <a:r>
-              <a:rPr lang="en-US" sz="6000" b="1" i="1" dirty="0" err="1" smtClean="0"/>
+              <a:rPr lang="en-US" sz="6000" b="1" i="1" dirty="0" err="1"/>
               <a:t>fideràna</a:t>
             </a:r>
-            <a:endParaRPr lang="fr-FR" sz="6000" b="1" i="1" dirty="0" smtClean="0"/>
+            <a:endParaRPr lang="fr-FR" sz="6000" b="1" i="1" dirty="0"/>
           </a:p>
           <a:p>
             <a:pPr algn="ctr"/>
             <a:r>
-              <a:rPr lang="en-US" sz="6000" b="1" i="1" dirty="0" err="1" smtClean="0"/>
+              <a:rPr lang="en-US" sz="6000" b="1" i="1" dirty="0" err="1"/>
               <a:t>Saotra</a:t>
             </a:r>
             <a:r>
-              <a:rPr lang="en-US" sz="6000" b="1" i="1" dirty="0" smtClean="0"/>
+              <a:rPr lang="en-US" sz="6000" b="1" i="1" dirty="0"/>
               <a:t>! </a:t>
             </a:r>
             <a:r>
-              <a:rPr lang="en-US" sz="6000" b="1" i="1" dirty="0" err="1" smtClean="0"/>
+              <a:rPr lang="en-US" sz="6000" b="1" i="1" dirty="0" err="1"/>
               <a:t>Atolorinao</a:t>
             </a:r>
-            <a:endParaRPr lang="fr-FR" sz="6000" b="1" i="1" dirty="0" smtClean="0"/>
+            <a:endParaRPr lang="fr-FR" sz="6000" b="1" i="1" dirty="0"/>
           </a:p>
           <a:p>
             <a:pPr algn="ctr"/>
             <a:r>
-              <a:rPr lang="en-US" sz="6000" b="1" i="1" dirty="0" err="1" smtClean="0"/>
+              <a:rPr lang="en-US" sz="6000" b="1" i="1" dirty="0" err="1"/>
               <a:t>Saotra</a:t>
             </a:r>
             <a:r>
-              <a:rPr lang="en-US" sz="6000" b="1" i="1" dirty="0" smtClean="0"/>
+              <a:rPr lang="en-US" sz="6000" b="1" i="1" dirty="0"/>
               <a:t>! </a:t>
             </a:r>
             <a:r>
-              <a:rPr lang="en-US" sz="6000" b="1" i="1" dirty="0" err="1" smtClean="0"/>
+              <a:rPr lang="en-US" sz="6000" b="1" i="1" dirty="0" err="1"/>
               <a:t>Hira</a:t>
             </a:r>
             <a:r>
-              <a:rPr lang="en-US" sz="6000" b="1" i="1" dirty="0" smtClean="0"/>
+              <a:rPr lang="en-US" sz="6000" b="1" i="1" dirty="0"/>
               <a:t> </a:t>
             </a:r>
             <a:r>
-              <a:rPr lang="en-US" sz="6000" b="1" i="1" dirty="0" err="1" smtClean="0"/>
+              <a:rPr lang="en-US" sz="6000" b="1" i="1" dirty="0" err="1"/>
               <a:t>fanajana</a:t>
             </a:r>
-            <a:endParaRPr lang="fr-FR" sz="6000" b="1" i="1" dirty="0" smtClean="0"/>
+            <a:endParaRPr lang="fr-FR" sz="6000" b="1" i="1" dirty="0"/>
           </a:p>
           <a:p>
             <a:pPr algn="ctr"/>
             <a:r>
-              <a:rPr lang="en-US" sz="6000" b="1" i="1" dirty="0" err="1" smtClean="0"/>
+              <a:rPr lang="en-US" sz="6000" b="1" i="1" dirty="0" err="1"/>
               <a:t>Aoka</a:t>
             </a:r>
             <a:r>
-              <a:rPr lang="en-US" sz="6000" b="1" i="1" dirty="0" smtClean="0"/>
+              <a:rPr lang="en-US" sz="6000" b="1" i="1" dirty="0"/>
               <a:t> ho </a:t>
             </a:r>
             <a:r>
-              <a:rPr lang="en-US" sz="6000" b="1" i="1" dirty="0" err="1" smtClean="0"/>
+              <a:rPr lang="en-US" sz="6000" b="1" i="1" dirty="0" err="1"/>
               <a:t>an’Andriamanitra</a:t>
             </a:r>
-            <a:endParaRPr lang="fr-FR" sz="6000" b="1" i="1" dirty="0" smtClean="0"/>
+            <a:endParaRPr lang="fr-FR" sz="6000" b="1" i="1" dirty="0"/>
           </a:p>
         </p:txBody>
       </p:sp>
@@ -3477,13 +3449,6 @@
   <p:clrMapOvr>
     <a:masterClrMapping/>
   </p:clrMapOvr>
-  <p:timing>
-    <p:tnLst>
-      <p:par>
-        <p:cTn id="1" dur="indefinite" restart="never" nodeType="tmRoot"/>
-      </p:par>
-    </p:tnLst>
-  </p:timing>
 </p:sld>
 </file>
 
@@ -3531,38 +3496,38 @@
               </a:lnSpc>
             </a:pPr>
             <a:r>
-              <a:rPr lang="en-US" sz="4800" b="1" dirty="0" smtClean="0"/>
+              <a:rPr lang="en-US" sz="4800" b="1" dirty="0"/>
               <a:t>1.  </a:t>
             </a:r>
             <a:r>
-              <a:rPr lang="en-US" sz="4800" b="1" dirty="0" err="1" smtClean="0"/>
+              <a:rPr lang="en-US" sz="4800" b="1" dirty="0" err="1"/>
               <a:t>Asandrato</a:t>
             </a:r>
             <a:r>
-              <a:rPr lang="en-US" sz="4800" b="1" dirty="0" smtClean="0"/>
+              <a:rPr lang="en-US" sz="4800" b="1" dirty="0"/>
               <a:t> </a:t>
             </a:r>
             <a:r>
-              <a:rPr lang="en-US" sz="4800" b="1" dirty="0" err="1" smtClean="0"/>
+              <a:rPr lang="en-US" sz="4800" b="1" dirty="0" err="1"/>
               <a:t>avo</a:t>
             </a:r>
             <a:r>
-              <a:rPr lang="en-US" sz="4800" b="1" dirty="0" smtClean="0"/>
+              <a:rPr lang="en-US" sz="4800" b="1" dirty="0"/>
               <a:t> re </a:t>
             </a:r>
             <a:r>
-              <a:rPr lang="en-US" sz="4800" b="1" dirty="0" err="1" smtClean="0"/>
+              <a:rPr lang="en-US" sz="4800" b="1" dirty="0" err="1"/>
               <a:t>ny</a:t>
             </a:r>
             <a:r>
-              <a:rPr lang="en-US" sz="4800" b="1" dirty="0" smtClean="0"/>
+              <a:rPr lang="en-US" sz="4800" b="1" dirty="0"/>
               <a:t> </a:t>
             </a:r>
             <a:r>
-              <a:rPr lang="en-US" sz="4800" b="1" dirty="0" err="1" smtClean="0"/>
+              <a:rPr lang="en-US" sz="4800" b="1" dirty="0" err="1"/>
               <a:t>hiranao</a:t>
             </a:r>
-            <a:endParaRPr lang="fr-FR" sz="4800" b="1" dirty="0" smtClean="0"/>
+            <a:endParaRPr lang="fr-FR" sz="4800" b="1" dirty="0"/>
           </a:p>
           <a:p>
             <a:pPr algn="ctr">
@@ -3571,38 +3536,38 @@
               </a:lnSpc>
             </a:pPr>
             <a:r>
-              <a:rPr lang="en-US" sz="4800" b="1" dirty="0" smtClean="0"/>
+              <a:rPr lang="en-US" sz="4800" b="1" dirty="0"/>
               <a:t>Ka </a:t>
             </a:r>
             <a:r>
-              <a:rPr lang="en-US" sz="4800" b="1" dirty="0" err="1" smtClean="0"/>
+              <a:rPr lang="en-US" sz="4800" b="1" dirty="0" err="1"/>
               <a:t>derao</a:t>
             </a:r>
             <a:r>
-              <a:rPr lang="en-US" sz="4800" b="1" dirty="0" smtClean="0"/>
+              <a:rPr lang="en-US" sz="4800" b="1" dirty="0"/>
               <a:t> </a:t>
             </a:r>
             <a:r>
-              <a:rPr lang="en-US" sz="4800" b="1" dirty="0" err="1" smtClean="0"/>
+              <a:rPr lang="en-US" sz="4800" b="1" dirty="0" err="1"/>
               <a:t>Ilay</a:t>
             </a:r>
             <a:r>
-              <a:rPr lang="en-US" sz="4800" b="1" dirty="0" smtClean="0"/>
+              <a:rPr lang="en-US" sz="4800" b="1" dirty="0"/>
               <a:t> </a:t>
             </a:r>
             <a:r>
-              <a:rPr lang="en-US" sz="4800" b="1" dirty="0" err="1" smtClean="0"/>
+              <a:rPr lang="en-US" sz="4800" b="1" dirty="0" err="1"/>
               <a:t>Mpanjaka</a:t>
             </a:r>
             <a:r>
-              <a:rPr lang="en-US" sz="4800" b="1" dirty="0" smtClean="0"/>
+              <a:rPr lang="en-US" sz="4800" b="1" dirty="0"/>
               <a:t> </a:t>
             </a:r>
             <a:r>
-              <a:rPr lang="en-US" sz="4800" b="1" dirty="0" err="1" smtClean="0"/>
+              <a:rPr lang="en-US" sz="4800" b="1" dirty="0" err="1"/>
               <a:t>lehibe</a:t>
             </a:r>
-            <a:endParaRPr lang="fr-FR" sz="4800" b="1" dirty="0" smtClean="0"/>
+            <a:endParaRPr lang="fr-FR" sz="4800" b="1" dirty="0"/>
           </a:p>
           <a:p>
             <a:pPr algn="ctr">
@@ -3611,42 +3576,42 @@
               </a:lnSpc>
             </a:pPr>
             <a:r>
-              <a:rPr lang="en-US" sz="4800" b="1" dirty="0" err="1" smtClean="0"/>
+              <a:rPr lang="en-US" sz="4800" b="1" dirty="0" err="1"/>
               <a:t>Izay</a:t>
             </a:r>
             <a:r>
-              <a:rPr lang="en-US" sz="4800" b="1" dirty="0" smtClean="0"/>
+              <a:rPr lang="en-US" sz="4800" b="1" dirty="0"/>
               <a:t> </a:t>
             </a:r>
             <a:r>
-              <a:rPr lang="en-US" sz="4800" b="1" dirty="0" err="1" smtClean="0"/>
+              <a:rPr lang="en-US" sz="4800" b="1" dirty="0" err="1"/>
               <a:t>namorona</a:t>
             </a:r>
             <a:r>
-              <a:rPr lang="en-US" sz="4800" b="1" dirty="0" smtClean="0"/>
+              <a:rPr lang="en-US" sz="4800" b="1" dirty="0"/>
               <a:t> </a:t>
             </a:r>
             <a:r>
-              <a:rPr lang="en-US" sz="4800" b="1" dirty="0" err="1" smtClean="0"/>
+              <a:rPr lang="en-US" sz="4800" b="1" dirty="0" err="1"/>
               <a:t>izao</a:t>
             </a:r>
             <a:r>
-              <a:rPr lang="en-US" sz="4800" b="1" dirty="0" smtClean="0"/>
+              <a:rPr lang="en-US" sz="4800" b="1" dirty="0"/>
               <a:t> </a:t>
             </a:r>
             <a:r>
-              <a:rPr lang="en-US" sz="4800" b="1" dirty="0" err="1" smtClean="0"/>
+              <a:rPr lang="en-US" sz="4800" b="1" dirty="0" err="1"/>
               <a:t>tontolo</a:t>
             </a:r>
             <a:r>
-              <a:rPr lang="en-US" sz="4800" b="1" dirty="0" smtClean="0"/>
+              <a:rPr lang="en-US" sz="4800" b="1" dirty="0"/>
               <a:t> </a:t>
             </a:r>
             <a:r>
-              <a:rPr lang="en-US" sz="4800" b="1" dirty="0" err="1" smtClean="0"/>
+              <a:rPr lang="en-US" sz="4800" b="1" dirty="0" err="1"/>
               <a:t>izao</a:t>
             </a:r>
-            <a:endParaRPr lang="fr-FR" sz="4800" b="1" dirty="0" smtClean="0"/>
+            <a:endParaRPr lang="fr-FR" sz="4800" b="1" dirty="0"/>
           </a:p>
           <a:p>
             <a:pPr algn="ctr">
@@ -3655,11 +3620,11 @@
               </a:lnSpc>
             </a:pPr>
             <a:r>
-              <a:rPr lang="en-US" sz="4800" b="1" dirty="0" err="1" smtClean="0"/>
+              <a:rPr lang="en-US" sz="4800" b="1" dirty="0" err="1"/>
               <a:t>Tamim-pahendrena</a:t>
             </a:r>
             <a:r>
-              <a:rPr lang="en-US" sz="4800" b="1" dirty="0" smtClean="0"/>
+              <a:rPr lang="en-US" sz="4800" b="1" dirty="0"/>
               <a:t> be</a:t>
             </a:r>
           </a:p>
@@ -3713,82 +3678,82 @@
           <a:p>
             <a:pPr algn="ctr"/>
             <a:r>
-              <a:rPr lang="en-US" sz="6000" b="1" i="1" dirty="0" err="1" smtClean="0"/>
+              <a:rPr lang="en-US" sz="6000" b="1" i="1" dirty="0" err="1"/>
               <a:t>Saotra</a:t>
             </a:r>
             <a:r>
-              <a:rPr lang="en-US" sz="6000" b="1" i="1" dirty="0" smtClean="0"/>
+              <a:rPr lang="en-US" sz="6000" b="1" i="1" dirty="0"/>
               <a:t>! </a:t>
             </a:r>
             <a:r>
-              <a:rPr lang="en-US" sz="6000" b="1" i="1" dirty="0" err="1" smtClean="0"/>
+              <a:rPr lang="en-US" sz="6000" b="1" i="1" dirty="0" err="1"/>
               <a:t>Hira</a:t>
             </a:r>
             <a:r>
-              <a:rPr lang="en-US" sz="6000" b="1" i="1" dirty="0" smtClean="0"/>
+              <a:rPr lang="en-US" sz="6000" b="1" i="1" dirty="0"/>
               <a:t> </a:t>
             </a:r>
             <a:r>
-              <a:rPr lang="en-US" sz="6000" b="1" i="1" dirty="0" err="1" smtClean="0"/>
+              <a:rPr lang="en-US" sz="6000" b="1" i="1" dirty="0" err="1"/>
               <a:t>fideràna</a:t>
             </a:r>
-            <a:endParaRPr lang="fr-FR" sz="6000" b="1" i="1" dirty="0" smtClean="0"/>
+            <a:endParaRPr lang="fr-FR" sz="6000" b="1" i="1" dirty="0"/>
           </a:p>
           <a:p>
             <a:pPr algn="ctr"/>
             <a:r>
-              <a:rPr lang="en-US" sz="6000" b="1" i="1" dirty="0" err="1" smtClean="0"/>
+              <a:rPr lang="en-US" sz="6000" b="1" i="1" dirty="0" err="1"/>
               <a:t>Saotra</a:t>
             </a:r>
             <a:r>
-              <a:rPr lang="en-US" sz="6000" b="1" i="1" dirty="0" smtClean="0"/>
+              <a:rPr lang="en-US" sz="6000" b="1" i="1" dirty="0"/>
               <a:t>! </a:t>
             </a:r>
             <a:r>
-              <a:rPr lang="en-US" sz="6000" b="1" i="1" dirty="0" err="1" smtClean="0"/>
+              <a:rPr lang="en-US" sz="6000" b="1" i="1" dirty="0" err="1"/>
               <a:t>Atolorinao</a:t>
             </a:r>
-            <a:endParaRPr lang="fr-FR" sz="6000" b="1" i="1" dirty="0" smtClean="0"/>
+            <a:endParaRPr lang="fr-FR" sz="6000" b="1" i="1" dirty="0"/>
           </a:p>
           <a:p>
             <a:pPr algn="ctr"/>
             <a:r>
-              <a:rPr lang="en-US" sz="6000" b="1" i="1" dirty="0" err="1" smtClean="0"/>
+              <a:rPr lang="en-US" sz="6000" b="1" i="1" dirty="0" err="1"/>
               <a:t>Saotra</a:t>
             </a:r>
             <a:r>
-              <a:rPr lang="en-US" sz="6000" b="1" i="1" dirty="0" smtClean="0"/>
+              <a:rPr lang="en-US" sz="6000" b="1" i="1" dirty="0"/>
               <a:t>! </a:t>
             </a:r>
             <a:r>
-              <a:rPr lang="en-US" sz="6000" b="1" i="1" dirty="0" err="1" smtClean="0"/>
+              <a:rPr lang="en-US" sz="6000" b="1" i="1" dirty="0" err="1"/>
               <a:t>Hira</a:t>
             </a:r>
             <a:r>
-              <a:rPr lang="en-US" sz="6000" b="1" i="1" dirty="0" smtClean="0"/>
+              <a:rPr lang="en-US" sz="6000" b="1" i="1" dirty="0"/>
               <a:t> </a:t>
             </a:r>
             <a:r>
-              <a:rPr lang="en-US" sz="6000" b="1" i="1" dirty="0" err="1" smtClean="0"/>
+              <a:rPr lang="en-US" sz="6000" b="1" i="1" dirty="0" err="1"/>
               <a:t>fanajana</a:t>
             </a:r>
-            <a:endParaRPr lang="fr-FR" sz="6000" b="1" i="1" dirty="0" smtClean="0"/>
+            <a:endParaRPr lang="fr-FR" sz="6000" b="1" i="1" dirty="0"/>
           </a:p>
           <a:p>
             <a:pPr algn="ctr"/>
             <a:r>
-              <a:rPr lang="en-US" sz="6000" b="1" i="1" dirty="0" err="1" smtClean="0"/>
+              <a:rPr lang="en-US" sz="6000" b="1" i="1" dirty="0" err="1"/>
               <a:t>Aoka</a:t>
             </a:r>
             <a:r>
-              <a:rPr lang="en-US" sz="6000" b="1" i="1" dirty="0" smtClean="0"/>
+              <a:rPr lang="en-US" sz="6000" b="1" i="1" dirty="0"/>
               <a:t> ho </a:t>
             </a:r>
             <a:r>
-              <a:rPr lang="en-US" sz="6000" b="1" i="1" dirty="0" err="1" smtClean="0"/>
+              <a:rPr lang="en-US" sz="6000" b="1" i="1" dirty="0" err="1"/>
               <a:t>an’Andriamanitra</a:t>
             </a:r>
-            <a:endParaRPr lang="fr-FR" sz="6000" b="1" i="1" dirty="0" smtClean="0"/>
+            <a:endParaRPr lang="fr-FR" sz="6000" b="1" i="1" dirty="0"/>
           </a:p>
         </p:txBody>
       </p:sp>
@@ -3844,46 +3809,46 @@
               </a:lnSpc>
             </a:pPr>
             <a:r>
-              <a:rPr lang="en-US" sz="4800" b="1" dirty="0" smtClean="0"/>
+              <a:rPr lang="en-US" sz="4800" b="1" dirty="0"/>
               <a:t>2. </a:t>
             </a:r>
             <a:r>
-              <a:rPr lang="en-US" sz="4800" b="1" dirty="0" err="1" smtClean="0"/>
+              <a:rPr lang="en-US" sz="4800" b="1" dirty="0" err="1"/>
               <a:t>Dia</a:t>
             </a:r>
             <a:r>
-              <a:rPr lang="en-US" sz="4800" b="1" dirty="0" smtClean="0"/>
+              <a:rPr lang="en-US" sz="4800" b="1" dirty="0"/>
               <a:t> </a:t>
             </a:r>
             <a:r>
-              <a:rPr lang="en-US" sz="4800" b="1" dirty="0" err="1" smtClean="0"/>
+              <a:rPr lang="en-US" sz="4800" b="1" dirty="0" err="1"/>
               <a:t>saino</a:t>
             </a:r>
             <a:r>
-              <a:rPr lang="en-US" sz="4800" b="1" dirty="0" smtClean="0"/>
+              <a:rPr lang="en-US" sz="4800" b="1" dirty="0"/>
               <a:t> </a:t>
             </a:r>
             <a:r>
-              <a:rPr lang="en-US" sz="4800" b="1" dirty="0" err="1" smtClean="0"/>
+              <a:rPr lang="en-US" sz="4800" b="1" dirty="0" err="1"/>
               <a:t>ny</a:t>
             </a:r>
             <a:r>
-              <a:rPr lang="en-US" sz="4800" b="1" dirty="0" smtClean="0"/>
+              <a:rPr lang="en-US" sz="4800" b="1" dirty="0"/>
               <a:t> </a:t>
             </a:r>
             <a:r>
-              <a:rPr lang="en-US" sz="4800" b="1" dirty="0" err="1" smtClean="0"/>
+              <a:rPr lang="en-US" sz="4800" b="1" dirty="0" err="1"/>
               <a:t>ataon’ny</a:t>
             </a:r>
             <a:r>
-              <a:rPr lang="en-US" sz="4800" b="1" dirty="0" smtClean="0"/>
+              <a:rPr lang="en-US" sz="4800" b="1" dirty="0"/>
               <a:t> </a:t>
             </a:r>
             <a:r>
-              <a:rPr lang="en-US" sz="4800" b="1" dirty="0" err="1" smtClean="0"/>
+              <a:rPr lang="en-US" sz="4800" b="1" dirty="0" err="1"/>
               <a:t>vorona</a:t>
             </a:r>
-            <a:endParaRPr lang="fr-FR" sz="4800" b="1" dirty="0" smtClean="0"/>
+            <a:endParaRPr lang="fr-FR" sz="4800" b="1" dirty="0"/>
           </a:p>
           <a:p>
             <a:pPr algn="ctr">
@@ -3892,26 +3857,26 @@
               </a:lnSpc>
             </a:pPr>
             <a:r>
-              <a:rPr lang="en-US" sz="4800" b="1" dirty="0" err="1" smtClean="0"/>
+              <a:rPr lang="en-US" sz="4800" b="1" dirty="0" err="1"/>
               <a:t>Izay</a:t>
             </a:r>
             <a:r>
-              <a:rPr lang="en-US" sz="4800" b="1" dirty="0" smtClean="0"/>
+              <a:rPr lang="en-US" sz="4800" b="1" dirty="0"/>
               <a:t> </a:t>
             </a:r>
             <a:r>
-              <a:rPr lang="en-US" sz="4800" b="1" dirty="0" err="1" smtClean="0"/>
+              <a:rPr lang="en-US" sz="4800" b="1" dirty="0" err="1"/>
               <a:t>mahalala</a:t>
             </a:r>
             <a:r>
-              <a:rPr lang="en-US" sz="4800" b="1" dirty="0" smtClean="0"/>
+              <a:rPr lang="en-US" sz="4800" b="1" dirty="0"/>
               <a:t> </a:t>
             </a:r>
             <a:r>
-              <a:rPr lang="en-US" sz="4800" b="1" dirty="0" err="1" smtClean="0"/>
+              <a:rPr lang="en-US" sz="4800" b="1" dirty="0" err="1"/>
               <a:t>mankasitraka</a:t>
             </a:r>
-            <a:endParaRPr lang="fr-FR" sz="4800" b="1" dirty="0" smtClean="0"/>
+            <a:endParaRPr lang="fr-FR" sz="4800" b="1" dirty="0"/>
           </a:p>
           <a:p>
             <a:pPr algn="ctr">
@@ -3920,18 +3885,18 @@
               </a:lnSpc>
             </a:pPr>
             <a:r>
-              <a:rPr lang="en-US" sz="4800" b="1" dirty="0" err="1" smtClean="0"/>
+              <a:rPr lang="en-US" sz="4800" b="1" dirty="0" err="1"/>
               <a:t>An’Andriamanitra</a:t>
             </a:r>
             <a:r>
-              <a:rPr lang="en-US" sz="4800" b="1" dirty="0" smtClean="0"/>
+              <a:rPr lang="en-US" sz="4800" b="1" dirty="0"/>
               <a:t>, </a:t>
             </a:r>
             <a:r>
-              <a:rPr lang="en-US" sz="4800" b="1" dirty="0" err="1" smtClean="0"/>
+              <a:rPr lang="en-US" sz="4800" b="1" dirty="0" err="1"/>
               <a:t>Mpamorona</a:t>
             </a:r>
-            <a:endParaRPr lang="fr-FR" sz="4800" b="1" dirty="0" smtClean="0"/>
+            <a:endParaRPr lang="fr-FR" sz="4800" b="1" dirty="0"/>
           </a:p>
           <a:p>
             <a:pPr algn="ctr">
@@ -3940,18 +3905,18 @@
               </a:lnSpc>
             </a:pPr>
             <a:r>
-              <a:rPr lang="en-US" sz="4800" b="1" dirty="0" err="1" smtClean="0"/>
+              <a:rPr lang="en-US" sz="4800" b="1" dirty="0" err="1"/>
               <a:t>Andro</a:t>
             </a:r>
             <a:r>
-              <a:rPr lang="en-US" sz="4800" b="1" dirty="0" smtClean="0"/>
+              <a:rPr lang="en-US" sz="4800" b="1" dirty="0"/>
               <a:t> </a:t>
             </a:r>
             <a:r>
-              <a:rPr lang="en-US" sz="4800" b="1" dirty="0" err="1" smtClean="0"/>
+              <a:rPr lang="en-US" sz="4800" b="1" dirty="0" err="1"/>
               <a:t>aman’alina</a:t>
             </a:r>
-            <a:endParaRPr lang="fr-FR" sz="4800" b="1" dirty="0" smtClean="0"/>
+            <a:endParaRPr lang="fr-FR" sz="4800" b="1" dirty="0"/>
           </a:p>
         </p:txBody>
       </p:sp>
@@ -4003,162 +3968,82 @@
           <a:p>
             <a:pPr algn="ctr"/>
             <a:r>
-              <a:rPr lang="en-US" sz="6000" b="1" i="1" dirty="0" err="1" smtClean="0">
-                <a:solidFill>
-                  <a:srgbClr val="00B050"/>
-                </a:solidFill>
-              </a:rPr>
+              <a:rPr lang="en-US" sz="6000" b="1" i="1" dirty="0" err="1"/>
               <a:t>Saotra</a:t>
             </a:r>
             <a:r>
-              <a:rPr lang="en-US" sz="6000" b="1" i="1" dirty="0" smtClean="0">
-                <a:solidFill>
-                  <a:srgbClr val="00B050"/>
-                </a:solidFill>
-              </a:rPr>
+              <a:rPr lang="en-US" sz="6000" b="1" i="1" dirty="0"/>
               <a:t>! </a:t>
             </a:r>
             <a:r>
-              <a:rPr lang="en-US" sz="6000" b="1" i="1" dirty="0" err="1" smtClean="0">
-                <a:solidFill>
-                  <a:srgbClr val="00B050"/>
-                </a:solidFill>
-              </a:rPr>
+              <a:rPr lang="en-US" sz="6000" b="1" i="1" dirty="0" err="1"/>
               <a:t>Hira</a:t>
             </a:r>
             <a:r>
-              <a:rPr lang="en-US" sz="6000" b="1" i="1" dirty="0" smtClean="0">
-                <a:solidFill>
-                  <a:srgbClr val="00B050"/>
-                </a:solidFill>
-              </a:rPr>
+              <a:rPr lang="en-US" sz="6000" b="1" i="1" dirty="0"/>
               <a:t> </a:t>
             </a:r>
             <a:r>
-              <a:rPr lang="en-US" sz="6000" b="1" i="1" dirty="0" err="1" smtClean="0">
-                <a:solidFill>
-                  <a:srgbClr val="00B050"/>
-                </a:solidFill>
-              </a:rPr>
+              <a:rPr lang="en-US" sz="6000" b="1" i="1" dirty="0" err="1"/>
               <a:t>fideràna</a:t>
             </a:r>
-            <a:endParaRPr lang="fr-FR" sz="6000" b="1" i="1" dirty="0" smtClean="0">
-              <a:solidFill>
-                <a:srgbClr val="00B050"/>
-              </a:solidFill>
-            </a:endParaRPr>
+            <a:endParaRPr lang="fr-FR" sz="6000" b="1" i="1" dirty="0"/>
           </a:p>
           <a:p>
             <a:pPr algn="ctr"/>
             <a:r>
-              <a:rPr lang="en-US" sz="6000" b="1" i="1" dirty="0" err="1" smtClean="0">
-                <a:solidFill>
-                  <a:srgbClr val="00B050"/>
-                </a:solidFill>
-              </a:rPr>
+              <a:rPr lang="en-US" sz="6000" b="1" i="1" dirty="0" err="1"/>
               <a:t>Saotra</a:t>
             </a:r>
             <a:r>
-              <a:rPr lang="en-US" sz="6000" b="1" i="1" dirty="0" smtClean="0">
-                <a:solidFill>
-                  <a:srgbClr val="00B050"/>
-                </a:solidFill>
-              </a:rPr>
+              <a:rPr lang="en-US" sz="6000" b="1" i="1" dirty="0"/>
               <a:t>! </a:t>
             </a:r>
             <a:r>
-              <a:rPr lang="en-US" sz="6000" b="1" i="1" dirty="0" err="1" smtClean="0">
-                <a:solidFill>
-                  <a:srgbClr val="00B050"/>
-                </a:solidFill>
-              </a:rPr>
+              <a:rPr lang="en-US" sz="6000" b="1" i="1" dirty="0" err="1"/>
               <a:t>Atolorinao</a:t>
             </a:r>
-            <a:endParaRPr lang="fr-FR" sz="6000" b="1" i="1" dirty="0" smtClean="0">
-              <a:solidFill>
-                <a:srgbClr val="00B050"/>
-              </a:solidFill>
-            </a:endParaRPr>
+            <a:endParaRPr lang="fr-FR" sz="6000" b="1" i="1" dirty="0"/>
           </a:p>
           <a:p>
             <a:pPr algn="ctr"/>
             <a:r>
-              <a:rPr lang="en-US" sz="6000" b="1" i="1" dirty="0" err="1" smtClean="0">
-                <a:solidFill>
-                  <a:srgbClr val="00B050"/>
-                </a:solidFill>
-              </a:rPr>
+              <a:rPr lang="en-US" sz="6000" b="1" i="1" dirty="0" err="1"/>
               <a:t>Saotra</a:t>
             </a:r>
             <a:r>
-              <a:rPr lang="en-US" sz="6000" b="1" i="1" dirty="0" smtClean="0">
-                <a:solidFill>
-                  <a:srgbClr val="00B050"/>
-                </a:solidFill>
-              </a:rPr>
+              <a:rPr lang="en-US" sz="6000" b="1" i="1" dirty="0"/>
               <a:t>! </a:t>
             </a:r>
             <a:r>
-              <a:rPr lang="en-US" sz="6000" b="1" i="1" dirty="0" err="1" smtClean="0">
-                <a:solidFill>
-                  <a:srgbClr val="00B050"/>
-                </a:solidFill>
-              </a:rPr>
+              <a:rPr lang="en-US" sz="6000" b="1" i="1" dirty="0" err="1"/>
               <a:t>Hira</a:t>
             </a:r>
             <a:r>
-              <a:rPr lang="en-US" sz="6000" b="1" i="1" dirty="0" smtClean="0">
-                <a:solidFill>
-                  <a:srgbClr val="00B050"/>
-                </a:solidFill>
-              </a:rPr>
+              <a:rPr lang="en-US" sz="6000" b="1" i="1" dirty="0"/>
               <a:t> </a:t>
             </a:r>
             <a:r>
-              <a:rPr lang="en-US" sz="6000" b="1" i="1" dirty="0" err="1" smtClean="0">
-                <a:solidFill>
-                  <a:srgbClr val="00B050"/>
-                </a:solidFill>
-              </a:rPr>
+              <a:rPr lang="en-US" sz="6000" b="1" i="1" dirty="0" err="1"/>
               <a:t>fanajana</a:t>
             </a:r>
-            <a:endParaRPr lang="fr-FR" sz="6000" b="1" i="1" dirty="0" smtClean="0">
-              <a:solidFill>
-                <a:srgbClr val="00B050"/>
-              </a:solidFill>
-            </a:endParaRPr>
+            <a:endParaRPr lang="fr-FR" sz="6000" b="1" i="1" dirty="0"/>
           </a:p>
           <a:p>
             <a:pPr algn="ctr"/>
             <a:r>
-              <a:rPr lang="en-US" sz="6000" b="1" i="1" dirty="0" err="1" smtClean="0">
-                <a:solidFill>
-                  <a:srgbClr val="00B050"/>
-                </a:solidFill>
-              </a:rPr>
+              <a:rPr lang="en-US" sz="6000" b="1" i="1" dirty="0" err="1"/>
               <a:t>Aoka</a:t>
             </a:r>
             <a:r>
-              <a:rPr lang="en-US" sz="6000" b="1" i="1" dirty="0" smtClean="0">
-                <a:solidFill>
-                  <a:srgbClr val="00B050"/>
-                </a:solidFill>
-              </a:rPr>
+              <a:rPr lang="en-US" sz="6000" b="1" i="1" dirty="0"/>
               <a:t> ho </a:t>
             </a:r>
             <a:r>
-              <a:rPr lang="en-US" sz="6000" b="1" i="1" dirty="0" err="1" smtClean="0">
-                <a:solidFill>
-                  <a:srgbClr val="00B050"/>
-                </a:solidFill>
-              </a:rPr>
+              <a:rPr lang="en-US" sz="6000" b="1" i="1" dirty="0" err="1"/>
               <a:t>an’Andriamanitra</a:t>
             </a:r>
-            <a:endParaRPr lang="fr-FR" sz="6000" b="1" i="1" dirty="0" smtClean="0">
-              <a:solidFill>
-                <a:srgbClr val="00B050"/>
-              </a:solidFill>
-            </a:endParaRPr>
+            <a:endParaRPr lang="fr-FR" sz="6000" b="1" i="1" dirty="0"/>
           </a:p>
         </p:txBody>
       </p:sp>
@@ -4214,38 +4099,38 @@
               </a:lnSpc>
             </a:pPr>
             <a:r>
-              <a:rPr lang="en-US" sz="4800" b="1" dirty="0" smtClean="0"/>
+              <a:rPr lang="en-US" sz="4800" b="1" dirty="0"/>
               <a:t>3. </a:t>
             </a:r>
             <a:r>
-              <a:rPr lang="en-US" sz="4800" b="1" dirty="0" err="1" smtClean="0"/>
+              <a:rPr lang="en-US" sz="4800" b="1" dirty="0" err="1"/>
               <a:t>Mba</a:t>
             </a:r>
             <a:r>
-              <a:rPr lang="en-US" sz="4800" b="1" dirty="0" smtClean="0"/>
+              <a:rPr lang="en-US" sz="4800" b="1" dirty="0"/>
               <a:t> </a:t>
             </a:r>
             <a:r>
-              <a:rPr lang="en-US" sz="4800" b="1" dirty="0" err="1" smtClean="0"/>
+              <a:rPr lang="en-US" sz="4800" b="1" dirty="0" err="1"/>
               <a:t>derao</a:t>
             </a:r>
             <a:r>
-              <a:rPr lang="en-US" sz="4800" b="1" dirty="0" smtClean="0"/>
+              <a:rPr lang="en-US" sz="4800" b="1" dirty="0"/>
               <a:t> ‘</a:t>
             </a:r>
             <a:r>
-              <a:rPr lang="en-US" sz="4800" b="1" dirty="0" err="1" smtClean="0"/>
+              <a:rPr lang="en-US" sz="4800" b="1" dirty="0" err="1"/>
               <a:t>zao</a:t>
             </a:r>
             <a:r>
-              <a:rPr lang="en-US" sz="4800" b="1" dirty="0" smtClean="0"/>
+              <a:rPr lang="en-US" sz="4800" b="1" dirty="0"/>
               <a:t> </a:t>
             </a:r>
             <a:r>
-              <a:rPr lang="en-US" sz="4800" b="1" dirty="0" err="1" smtClean="0"/>
+              <a:rPr lang="en-US" sz="4800" b="1" dirty="0" err="1"/>
               <a:t>Andriamanitra</a:t>
             </a:r>
-            <a:endParaRPr lang="fr-FR" sz="4800" b="1" dirty="0" smtClean="0"/>
+            <a:endParaRPr lang="fr-FR" sz="4800" b="1" dirty="0"/>
           </a:p>
           <a:p>
             <a:pPr algn="ctr">
@@ -4254,34 +4139,34 @@
               </a:lnSpc>
             </a:pPr>
             <a:r>
-              <a:rPr lang="en-US" sz="4800" b="1" dirty="0" err="1" smtClean="0"/>
+              <a:rPr lang="en-US" sz="4800" b="1" dirty="0" err="1"/>
               <a:t>Izy</a:t>
             </a:r>
             <a:r>
-              <a:rPr lang="en-US" sz="4800" b="1" dirty="0" smtClean="0"/>
+              <a:rPr lang="en-US" sz="4800" b="1" dirty="0"/>
               <a:t> no </a:t>
             </a:r>
             <a:r>
-              <a:rPr lang="en-US" sz="4800" b="1" dirty="0" err="1" smtClean="0"/>
+              <a:rPr lang="en-US" sz="4800" b="1" dirty="0" err="1"/>
               <a:t>nahary</a:t>
             </a:r>
             <a:r>
-              <a:rPr lang="en-US" sz="4800" b="1" dirty="0" smtClean="0"/>
+              <a:rPr lang="en-US" sz="4800" b="1" dirty="0"/>
               <a:t> </a:t>
             </a:r>
             <a:r>
-              <a:rPr lang="en-US" sz="4800" b="1" dirty="0" err="1" smtClean="0"/>
+              <a:rPr lang="en-US" sz="4800" b="1" dirty="0" err="1"/>
               <a:t>sy</a:t>
             </a:r>
             <a:r>
-              <a:rPr lang="en-US" sz="4800" b="1" dirty="0" smtClean="0"/>
+              <a:rPr lang="en-US" sz="4800" b="1" dirty="0"/>
               <a:t> </a:t>
             </a:r>
             <a:r>
-              <a:rPr lang="en-US" sz="4800" b="1" dirty="0" err="1" smtClean="0"/>
+              <a:rPr lang="en-US" sz="4800" b="1" dirty="0" err="1"/>
               <a:t>namelona</a:t>
             </a:r>
-            <a:endParaRPr lang="fr-FR" sz="4800" b="1" dirty="0" smtClean="0"/>
+            <a:endParaRPr lang="fr-FR" sz="4800" b="1" dirty="0"/>
           </a:p>
           <a:p>
             <a:pPr algn="ctr">
@@ -4290,42 +4175,42 @@
               </a:lnSpc>
             </a:pPr>
             <a:r>
-              <a:rPr lang="en-US" sz="4800" b="1" dirty="0" err="1" smtClean="0"/>
+              <a:rPr lang="en-US" sz="4800" b="1" dirty="0" err="1"/>
               <a:t>Ary</a:t>
             </a:r>
             <a:r>
-              <a:rPr lang="en-US" sz="4800" b="1" dirty="0" smtClean="0"/>
+              <a:rPr lang="en-US" sz="4800" b="1" dirty="0"/>
               <a:t> </a:t>
             </a:r>
             <a:r>
-              <a:rPr lang="en-US" sz="4800" b="1" dirty="0" err="1" smtClean="0"/>
+              <a:rPr lang="en-US" sz="4800" b="1" dirty="0" err="1"/>
               <a:t>na</a:t>
             </a:r>
             <a:r>
-              <a:rPr lang="en-US" sz="4800" b="1" dirty="0" smtClean="0"/>
+              <a:rPr lang="en-US" sz="4800" b="1" dirty="0"/>
               <a:t> </a:t>
             </a:r>
             <a:r>
-              <a:rPr lang="en-US" sz="4800" b="1" dirty="0" err="1" smtClean="0"/>
+              <a:rPr lang="en-US" sz="4800" b="1" dirty="0" err="1"/>
               <a:t>marary</a:t>
             </a:r>
             <a:r>
-              <a:rPr lang="en-US" sz="4800" b="1" dirty="0" smtClean="0"/>
+              <a:rPr lang="en-US" sz="4800" b="1" dirty="0"/>
               <a:t> </a:t>
             </a:r>
             <a:r>
-              <a:rPr lang="en-US" sz="4800" b="1" dirty="0" err="1" smtClean="0"/>
+              <a:rPr lang="en-US" sz="4800" b="1" dirty="0" err="1"/>
               <a:t>na</a:t>
             </a:r>
             <a:r>
-              <a:rPr lang="en-US" sz="4800" b="1" dirty="0" smtClean="0"/>
+              <a:rPr lang="en-US" sz="4800" b="1" dirty="0"/>
               <a:t> </a:t>
             </a:r>
             <a:r>
-              <a:rPr lang="en-US" sz="4800" b="1" dirty="0" err="1" smtClean="0"/>
+              <a:rPr lang="en-US" sz="4800" b="1" dirty="0" err="1"/>
               <a:t>finaritra</a:t>
             </a:r>
-            <a:endParaRPr lang="fr-FR" sz="4800" b="1" dirty="0" smtClean="0"/>
+            <a:endParaRPr lang="fr-FR" sz="4800" b="1" dirty="0"/>
           </a:p>
           <a:p>
             <a:pPr algn="ctr">
@@ -4334,18 +4219,18 @@
               </a:lnSpc>
             </a:pPr>
             <a:r>
-              <a:rPr lang="en-US" sz="4800" b="1" dirty="0" err="1" smtClean="0"/>
+              <a:rPr lang="en-US" sz="4800" b="1" dirty="0" err="1"/>
               <a:t>Izy</a:t>
             </a:r>
             <a:r>
-              <a:rPr lang="en-US" sz="4800" b="1" dirty="0" smtClean="0"/>
+              <a:rPr lang="en-US" sz="4800" b="1" dirty="0"/>
               <a:t> no </a:t>
             </a:r>
             <a:r>
-              <a:rPr lang="en-US" sz="4800" b="1" dirty="0" err="1" smtClean="0"/>
+              <a:rPr lang="en-US" sz="4800" b="1" dirty="0" err="1"/>
               <a:t>Mpanohana</a:t>
             </a:r>
-            <a:endParaRPr lang="fr-FR" sz="4800" b="1" dirty="0" smtClean="0"/>
+            <a:endParaRPr lang="fr-FR" sz="4800" b="1" dirty="0"/>
           </a:p>
         </p:txBody>
       </p:sp>
@@ -4397,162 +4282,82 @@
           <a:p>
             <a:pPr algn="ctr"/>
             <a:r>
-              <a:rPr lang="en-US" sz="6000" b="1" i="1" dirty="0" err="1" smtClean="0">
-                <a:solidFill>
-                  <a:srgbClr val="00B050"/>
-                </a:solidFill>
-              </a:rPr>
+              <a:rPr lang="en-US" sz="6000" b="1" i="1" dirty="0" err="1"/>
               <a:t>Saotra</a:t>
             </a:r>
             <a:r>
-              <a:rPr lang="en-US" sz="6000" b="1" i="1" dirty="0" smtClean="0">
-                <a:solidFill>
-                  <a:srgbClr val="00B050"/>
-                </a:solidFill>
-              </a:rPr>
+              <a:rPr lang="en-US" sz="6000" b="1" i="1" dirty="0"/>
               <a:t>! </a:t>
             </a:r>
             <a:r>
-              <a:rPr lang="en-US" sz="6000" b="1" i="1" dirty="0" err="1" smtClean="0">
-                <a:solidFill>
-                  <a:srgbClr val="00B050"/>
-                </a:solidFill>
-              </a:rPr>
+              <a:rPr lang="en-US" sz="6000" b="1" i="1" dirty="0" err="1"/>
               <a:t>Hira</a:t>
             </a:r>
             <a:r>
-              <a:rPr lang="en-US" sz="6000" b="1" i="1" dirty="0" smtClean="0">
-                <a:solidFill>
-                  <a:srgbClr val="00B050"/>
-                </a:solidFill>
-              </a:rPr>
+              <a:rPr lang="en-US" sz="6000" b="1" i="1" dirty="0"/>
               <a:t> </a:t>
             </a:r>
             <a:r>
-              <a:rPr lang="en-US" sz="6000" b="1" i="1" dirty="0" err="1" smtClean="0">
-                <a:solidFill>
-                  <a:srgbClr val="00B050"/>
-                </a:solidFill>
-              </a:rPr>
+              <a:rPr lang="en-US" sz="6000" b="1" i="1" dirty="0" err="1"/>
               <a:t>fideràna</a:t>
             </a:r>
-            <a:endParaRPr lang="fr-FR" sz="6000" b="1" i="1" dirty="0" smtClean="0">
-              <a:solidFill>
-                <a:srgbClr val="00B050"/>
-              </a:solidFill>
-            </a:endParaRPr>
+            <a:endParaRPr lang="fr-FR" sz="6000" b="1" i="1" dirty="0"/>
           </a:p>
           <a:p>
             <a:pPr algn="ctr"/>
             <a:r>
-              <a:rPr lang="en-US" sz="6000" b="1" i="1" dirty="0" err="1" smtClean="0">
-                <a:solidFill>
-                  <a:srgbClr val="00B050"/>
-                </a:solidFill>
-              </a:rPr>
+              <a:rPr lang="en-US" sz="6000" b="1" i="1" dirty="0" err="1"/>
               <a:t>Saotra</a:t>
             </a:r>
             <a:r>
-              <a:rPr lang="en-US" sz="6000" b="1" i="1" dirty="0" smtClean="0">
-                <a:solidFill>
-                  <a:srgbClr val="00B050"/>
-                </a:solidFill>
-              </a:rPr>
+              <a:rPr lang="en-US" sz="6000" b="1" i="1" dirty="0"/>
               <a:t>! </a:t>
             </a:r>
             <a:r>
-              <a:rPr lang="en-US" sz="6000" b="1" i="1" dirty="0" err="1" smtClean="0">
-                <a:solidFill>
-                  <a:srgbClr val="00B050"/>
-                </a:solidFill>
-              </a:rPr>
+              <a:rPr lang="en-US" sz="6000" b="1" i="1" dirty="0" err="1"/>
               <a:t>Atolorinao</a:t>
             </a:r>
-            <a:endParaRPr lang="fr-FR" sz="6000" b="1" i="1" dirty="0" smtClean="0">
-              <a:solidFill>
-                <a:srgbClr val="00B050"/>
-              </a:solidFill>
-            </a:endParaRPr>
+            <a:endParaRPr lang="fr-FR" sz="6000" b="1" i="1" dirty="0"/>
           </a:p>
           <a:p>
             <a:pPr algn="ctr"/>
             <a:r>
-              <a:rPr lang="en-US" sz="6000" b="1" i="1" dirty="0" err="1" smtClean="0">
-                <a:solidFill>
-                  <a:srgbClr val="00B050"/>
-                </a:solidFill>
-              </a:rPr>
+              <a:rPr lang="en-US" sz="6000" b="1" i="1" dirty="0" err="1"/>
               <a:t>Saotra</a:t>
             </a:r>
             <a:r>
-              <a:rPr lang="en-US" sz="6000" b="1" i="1" dirty="0" smtClean="0">
-                <a:solidFill>
-                  <a:srgbClr val="00B050"/>
-                </a:solidFill>
-              </a:rPr>
+              <a:rPr lang="en-US" sz="6000" b="1" i="1" dirty="0"/>
               <a:t>! </a:t>
             </a:r>
             <a:r>
-              <a:rPr lang="en-US" sz="6000" b="1" i="1" dirty="0" err="1" smtClean="0">
-                <a:solidFill>
-                  <a:srgbClr val="00B050"/>
-                </a:solidFill>
-              </a:rPr>
+              <a:rPr lang="en-US" sz="6000" b="1" i="1" dirty="0" err="1"/>
               <a:t>Hira</a:t>
             </a:r>
             <a:r>
-              <a:rPr lang="en-US" sz="6000" b="1" i="1" dirty="0" smtClean="0">
-                <a:solidFill>
-                  <a:srgbClr val="00B050"/>
-                </a:solidFill>
-              </a:rPr>
+              <a:rPr lang="en-US" sz="6000" b="1" i="1" dirty="0"/>
               <a:t> </a:t>
             </a:r>
             <a:r>
-              <a:rPr lang="en-US" sz="6000" b="1" i="1" dirty="0" err="1" smtClean="0">
-                <a:solidFill>
-                  <a:srgbClr val="00B050"/>
-                </a:solidFill>
-              </a:rPr>
+              <a:rPr lang="en-US" sz="6000" b="1" i="1" dirty="0" err="1"/>
               <a:t>fanajana</a:t>
             </a:r>
-            <a:endParaRPr lang="fr-FR" sz="6000" b="1" i="1" dirty="0" smtClean="0">
-              <a:solidFill>
-                <a:srgbClr val="00B050"/>
-              </a:solidFill>
-            </a:endParaRPr>
+            <a:endParaRPr lang="fr-FR" sz="6000" b="1" i="1" dirty="0"/>
           </a:p>
           <a:p>
             <a:pPr algn="ctr"/>
             <a:r>
-              <a:rPr lang="en-US" sz="6000" b="1" i="1" dirty="0" err="1" smtClean="0">
-                <a:solidFill>
-                  <a:srgbClr val="00B050"/>
-                </a:solidFill>
-              </a:rPr>
+              <a:rPr lang="en-US" sz="6000" b="1" i="1" dirty="0" err="1"/>
               <a:t>Aoka</a:t>
             </a:r>
             <a:r>
-              <a:rPr lang="en-US" sz="6000" b="1" i="1" dirty="0" smtClean="0">
-                <a:solidFill>
-                  <a:srgbClr val="00B050"/>
-                </a:solidFill>
-              </a:rPr>
+              <a:rPr lang="en-US" sz="6000" b="1" i="1" dirty="0"/>
               <a:t> ho </a:t>
             </a:r>
             <a:r>
-              <a:rPr lang="en-US" sz="6000" b="1" i="1" dirty="0" err="1" smtClean="0">
-                <a:solidFill>
-                  <a:srgbClr val="00B050"/>
-                </a:solidFill>
-              </a:rPr>
+              <a:rPr lang="en-US" sz="6000" b="1" i="1" dirty="0" err="1"/>
               <a:t>an’Andriamanitra</a:t>
             </a:r>
-            <a:endParaRPr lang="fr-FR" sz="6000" b="1" i="1" dirty="0" smtClean="0">
-              <a:solidFill>
-                <a:srgbClr val="00B050"/>
-              </a:solidFill>
-            </a:endParaRPr>
+            <a:endParaRPr lang="fr-FR" sz="6000" b="1" i="1" dirty="0"/>
           </a:p>
         </p:txBody>
       </p:sp>
@@ -4608,38 +4413,38 @@
               </a:lnSpc>
             </a:pPr>
             <a:r>
-              <a:rPr lang="en-US" sz="4800" b="1" dirty="0" smtClean="0"/>
+              <a:rPr lang="en-US" sz="4800" b="1" dirty="0"/>
               <a:t>4.  </a:t>
             </a:r>
             <a:r>
-              <a:rPr lang="en-US" sz="4800" b="1" dirty="0" err="1" smtClean="0"/>
+              <a:rPr lang="en-US" sz="4800" b="1" dirty="0" err="1"/>
               <a:t>Lehibe</a:t>
             </a:r>
             <a:r>
-              <a:rPr lang="en-US" sz="4800" b="1" dirty="0" smtClean="0"/>
+              <a:rPr lang="en-US" sz="4800" b="1" dirty="0"/>
               <a:t> </a:t>
             </a:r>
             <a:r>
-              <a:rPr lang="en-US" sz="4800" b="1" dirty="0" err="1" smtClean="0"/>
+              <a:rPr lang="en-US" sz="4800" b="1" dirty="0" err="1"/>
               <a:t>tokoa</a:t>
             </a:r>
             <a:r>
-              <a:rPr lang="en-US" sz="4800" b="1" dirty="0" smtClean="0"/>
+              <a:rPr lang="en-US" sz="4800" b="1" dirty="0"/>
               <a:t> </a:t>
             </a:r>
             <a:r>
-              <a:rPr lang="en-US" sz="4800" b="1" dirty="0" err="1" smtClean="0"/>
+              <a:rPr lang="en-US" sz="4800" b="1" dirty="0" err="1"/>
               <a:t>ny</a:t>
             </a:r>
             <a:r>
-              <a:rPr lang="en-US" sz="4800" b="1" dirty="0" smtClean="0"/>
+              <a:rPr lang="en-US" sz="4800" b="1" dirty="0"/>
               <a:t> </a:t>
             </a:r>
             <a:r>
-              <a:rPr lang="en-US" sz="4800" b="1" dirty="0" err="1" smtClean="0"/>
+              <a:rPr lang="en-US" sz="4800" b="1" dirty="0" err="1"/>
               <a:t>fitiavany</a:t>
             </a:r>
-            <a:endParaRPr lang="fr-FR" sz="4800" b="1" dirty="0" smtClean="0"/>
+            <a:endParaRPr lang="fr-FR" sz="4800" b="1" dirty="0"/>
           </a:p>
           <a:p>
             <a:pPr algn="ctr">
@@ -4648,34 +4453,34 @@
               </a:lnSpc>
             </a:pPr>
             <a:r>
-              <a:rPr lang="en-US" sz="4800" b="1" dirty="0" err="1" smtClean="0"/>
+              <a:rPr lang="en-US" sz="4800" b="1" dirty="0" err="1"/>
               <a:t>Ny</a:t>
             </a:r>
             <a:r>
-              <a:rPr lang="en-US" sz="4800" b="1" dirty="0" smtClean="0"/>
+              <a:rPr lang="en-US" sz="4800" b="1" dirty="0"/>
               <a:t> </a:t>
             </a:r>
             <a:r>
-              <a:rPr lang="en-US" sz="4800" b="1" dirty="0" err="1" smtClean="0"/>
+              <a:rPr lang="en-US" sz="4800" b="1" dirty="0" err="1"/>
               <a:t>Malalany</a:t>
             </a:r>
             <a:r>
-              <a:rPr lang="en-US" sz="4800" b="1" dirty="0" smtClean="0"/>
+              <a:rPr lang="en-US" sz="4800" b="1" dirty="0"/>
               <a:t> </a:t>
             </a:r>
             <a:r>
-              <a:rPr lang="en-US" sz="4800" b="1" dirty="0" err="1" smtClean="0"/>
+              <a:rPr lang="en-US" sz="4800" b="1" dirty="0" err="1"/>
               <a:t>nirahiny</a:t>
             </a:r>
             <a:r>
-              <a:rPr lang="en-US" sz="4800" b="1" dirty="0" smtClean="0"/>
+              <a:rPr lang="en-US" sz="4800" b="1" dirty="0"/>
               <a:t> </a:t>
             </a:r>
             <a:r>
-              <a:rPr lang="en-US" sz="4800" b="1" dirty="0" err="1" smtClean="0"/>
+              <a:rPr lang="en-US" sz="4800" b="1" dirty="0" err="1"/>
               <a:t>tety</a:t>
             </a:r>
-            <a:endParaRPr lang="fr-FR" sz="4800" b="1" dirty="0" smtClean="0"/>
+            <a:endParaRPr lang="fr-FR" sz="4800" b="1" dirty="0"/>
           </a:p>
           <a:p>
             <a:pPr algn="ctr">
@@ -4684,34 +4489,34 @@
               </a:lnSpc>
             </a:pPr>
             <a:r>
-              <a:rPr lang="en-US" sz="4800" b="1" dirty="0" err="1" smtClean="0"/>
+              <a:rPr lang="en-US" sz="4800" b="1" dirty="0" err="1"/>
               <a:t>Mba</a:t>
             </a:r>
             <a:r>
-              <a:rPr lang="en-US" sz="4800" b="1" dirty="0" smtClean="0"/>
+              <a:rPr lang="en-US" sz="4800" b="1" dirty="0"/>
               <a:t> </a:t>
             </a:r>
             <a:r>
-              <a:rPr lang="en-US" sz="4800" b="1" dirty="0" err="1" smtClean="0"/>
+              <a:rPr lang="en-US" sz="4800" b="1" dirty="0" err="1"/>
               <a:t>hanandratra</a:t>
             </a:r>
             <a:r>
-              <a:rPr lang="en-US" sz="4800" b="1" dirty="0" smtClean="0"/>
+              <a:rPr lang="en-US" sz="4800" b="1" dirty="0"/>
               <a:t> </a:t>
             </a:r>
             <a:r>
-              <a:rPr lang="en-US" sz="4800" b="1" dirty="0" err="1" smtClean="0"/>
+              <a:rPr lang="en-US" sz="4800" b="1" dirty="0" err="1"/>
               <a:t>anao</a:t>
             </a:r>
             <a:r>
-              <a:rPr lang="en-US" sz="4800" b="1" dirty="0" smtClean="0"/>
+              <a:rPr lang="en-US" sz="4800" b="1" dirty="0"/>
               <a:t> ho </a:t>
             </a:r>
             <a:r>
-              <a:rPr lang="en-US" sz="4800" b="1" dirty="0" err="1" smtClean="0"/>
+              <a:rPr lang="en-US" sz="4800" b="1" dirty="0" err="1"/>
               <a:t>zanany</a:t>
             </a:r>
-            <a:endParaRPr lang="fr-FR" sz="4800" b="1" dirty="0" smtClean="0"/>
+            <a:endParaRPr lang="fr-FR" sz="4800" b="1" dirty="0"/>
           </a:p>
           <a:p>
             <a:pPr algn="ctr">
@@ -4720,30 +4525,30 @@
               </a:lnSpc>
             </a:pPr>
             <a:r>
-              <a:rPr lang="en-US" sz="4800" b="1" dirty="0" smtClean="0"/>
+              <a:rPr lang="en-US" sz="4800" b="1" dirty="0"/>
               <a:t>Ho </a:t>
             </a:r>
             <a:r>
-              <a:rPr lang="en-US" sz="4800" b="1" dirty="0" err="1" smtClean="0"/>
+              <a:rPr lang="en-US" sz="4800" b="1" dirty="0" err="1"/>
               <a:t>mpandova</a:t>
             </a:r>
             <a:r>
-              <a:rPr lang="en-US" sz="4800" b="1" dirty="0" smtClean="0"/>
+              <a:rPr lang="en-US" sz="4800" b="1" dirty="0"/>
               <a:t> </a:t>
             </a:r>
             <a:r>
-              <a:rPr lang="en-US" sz="4800" b="1" dirty="0" err="1" smtClean="0"/>
+              <a:rPr lang="en-US" sz="4800" b="1" dirty="0" err="1"/>
               <a:t>ny</a:t>
             </a:r>
             <a:r>
-              <a:rPr lang="en-US" sz="4800" b="1" dirty="0" smtClean="0"/>
+              <a:rPr lang="en-US" sz="4800" b="1" dirty="0"/>
               <a:t> </a:t>
             </a:r>
             <a:r>
-              <a:rPr lang="en-US" sz="4800" b="1" dirty="0" err="1" smtClean="0"/>
+              <a:rPr lang="en-US" sz="4800" b="1" dirty="0" err="1"/>
               <a:t>ery</a:t>
             </a:r>
-            <a:endParaRPr lang="fr-FR" sz="4800" b="1" dirty="0" smtClean="0"/>
+            <a:endParaRPr lang="fr-FR" sz="4800" b="1" dirty="0"/>
           </a:p>
         </p:txBody>
       </p:sp>
@@ -4795,162 +4600,82 @@
           <a:p>
             <a:pPr algn="ctr"/>
             <a:r>
-              <a:rPr lang="en-US" sz="6000" b="1" i="1" dirty="0" err="1" smtClean="0">
-                <a:solidFill>
-                  <a:srgbClr val="00B050"/>
-                </a:solidFill>
-              </a:rPr>
+              <a:rPr lang="en-US" sz="6000" b="1" i="1" dirty="0" err="1"/>
               <a:t>Saotra</a:t>
             </a:r>
             <a:r>
-              <a:rPr lang="en-US" sz="6000" b="1" i="1" dirty="0" smtClean="0">
-                <a:solidFill>
-                  <a:srgbClr val="00B050"/>
-                </a:solidFill>
-              </a:rPr>
+              <a:rPr lang="en-US" sz="6000" b="1" i="1" dirty="0"/>
               <a:t>! </a:t>
             </a:r>
             <a:r>
-              <a:rPr lang="en-US" sz="6000" b="1" i="1" dirty="0" err="1" smtClean="0">
-                <a:solidFill>
-                  <a:srgbClr val="00B050"/>
-                </a:solidFill>
-              </a:rPr>
+              <a:rPr lang="en-US" sz="6000" b="1" i="1" dirty="0" err="1"/>
               <a:t>Hira</a:t>
             </a:r>
             <a:r>
-              <a:rPr lang="en-US" sz="6000" b="1" i="1" dirty="0" smtClean="0">
-                <a:solidFill>
-                  <a:srgbClr val="00B050"/>
-                </a:solidFill>
-              </a:rPr>
+              <a:rPr lang="en-US" sz="6000" b="1" i="1" dirty="0"/>
               <a:t> </a:t>
             </a:r>
             <a:r>
-              <a:rPr lang="en-US" sz="6000" b="1" i="1" dirty="0" err="1" smtClean="0">
-                <a:solidFill>
-                  <a:srgbClr val="00B050"/>
-                </a:solidFill>
-              </a:rPr>
+              <a:rPr lang="en-US" sz="6000" b="1" i="1" dirty="0" err="1"/>
               <a:t>fideràna</a:t>
             </a:r>
-            <a:endParaRPr lang="fr-FR" sz="6000" b="1" i="1" dirty="0" smtClean="0">
-              <a:solidFill>
-                <a:srgbClr val="00B050"/>
-              </a:solidFill>
-            </a:endParaRPr>
+            <a:endParaRPr lang="fr-FR" sz="6000" b="1" i="1" dirty="0"/>
           </a:p>
           <a:p>
             <a:pPr algn="ctr"/>
             <a:r>
-              <a:rPr lang="en-US" sz="6000" b="1" i="1" dirty="0" err="1" smtClean="0">
-                <a:solidFill>
-                  <a:srgbClr val="00B050"/>
-                </a:solidFill>
-              </a:rPr>
+              <a:rPr lang="en-US" sz="6000" b="1" i="1" dirty="0" err="1"/>
               <a:t>Saotra</a:t>
             </a:r>
             <a:r>
-              <a:rPr lang="en-US" sz="6000" b="1" i="1" dirty="0" smtClean="0">
-                <a:solidFill>
-                  <a:srgbClr val="00B050"/>
-                </a:solidFill>
-              </a:rPr>
+              <a:rPr lang="en-US" sz="6000" b="1" i="1" dirty="0"/>
               <a:t>! </a:t>
             </a:r>
             <a:r>
-              <a:rPr lang="en-US" sz="6000" b="1" i="1" dirty="0" err="1" smtClean="0">
-                <a:solidFill>
-                  <a:srgbClr val="00B050"/>
-                </a:solidFill>
-              </a:rPr>
+              <a:rPr lang="en-US" sz="6000" b="1" i="1" dirty="0" err="1"/>
               <a:t>Atolorinao</a:t>
             </a:r>
-            <a:endParaRPr lang="fr-FR" sz="6000" b="1" i="1" dirty="0" smtClean="0">
-              <a:solidFill>
-                <a:srgbClr val="00B050"/>
-              </a:solidFill>
-            </a:endParaRPr>
+            <a:endParaRPr lang="fr-FR" sz="6000" b="1" i="1" dirty="0"/>
           </a:p>
           <a:p>
             <a:pPr algn="ctr"/>
             <a:r>
-              <a:rPr lang="en-US" sz="6000" b="1" i="1" dirty="0" err="1" smtClean="0">
-                <a:solidFill>
-                  <a:srgbClr val="00B050"/>
-                </a:solidFill>
-              </a:rPr>
+              <a:rPr lang="en-US" sz="6000" b="1" i="1" dirty="0" err="1"/>
               <a:t>Saotra</a:t>
             </a:r>
             <a:r>
-              <a:rPr lang="en-US" sz="6000" b="1" i="1" dirty="0" smtClean="0">
-                <a:solidFill>
-                  <a:srgbClr val="00B050"/>
-                </a:solidFill>
-              </a:rPr>
+              <a:rPr lang="en-US" sz="6000" b="1" i="1" dirty="0"/>
               <a:t>! </a:t>
             </a:r>
             <a:r>
-              <a:rPr lang="en-US" sz="6000" b="1" i="1" dirty="0" err="1" smtClean="0">
-                <a:solidFill>
-                  <a:srgbClr val="00B050"/>
-                </a:solidFill>
-              </a:rPr>
+              <a:rPr lang="en-US" sz="6000" b="1" i="1" dirty="0" err="1"/>
               <a:t>Hira</a:t>
             </a:r>
             <a:r>
-              <a:rPr lang="en-US" sz="6000" b="1" i="1" dirty="0" smtClean="0">
-                <a:solidFill>
-                  <a:srgbClr val="00B050"/>
-                </a:solidFill>
-              </a:rPr>
+              <a:rPr lang="en-US" sz="6000" b="1" i="1" dirty="0"/>
               <a:t> </a:t>
             </a:r>
             <a:r>
-              <a:rPr lang="en-US" sz="6000" b="1" i="1" dirty="0" err="1" smtClean="0">
-                <a:solidFill>
-                  <a:srgbClr val="00B050"/>
-                </a:solidFill>
-              </a:rPr>
+              <a:rPr lang="en-US" sz="6000" b="1" i="1" dirty="0" err="1"/>
               <a:t>fanajana</a:t>
             </a:r>
-            <a:endParaRPr lang="fr-FR" sz="6000" b="1" i="1" dirty="0" smtClean="0">
-              <a:solidFill>
-                <a:srgbClr val="00B050"/>
-              </a:solidFill>
-            </a:endParaRPr>
+            <a:endParaRPr lang="fr-FR" sz="6000" b="1" i="1" dirty="0"/>
           </a:p>
           <a:p>
             <a:pPr algn="ctr"/>
             <a:r>
-              <a:rPr lang="en-US" sz="6000" b="1" i="1" dirty="0" err="1" smtClean="0">
-                <a:solidFill>
-                  <a:srgbClr val="00B050"/>
-                </a:solidFill>
-              </a:rPr>
+              <a:rPr lang="en-US" sz="6000" b="1" i="1" dirty="0" err="1"/>
               <a:t>Aoka</a:t>
             </a:r>
             <a:r>
-              <a:rPr lang="en-US" sz="6000" b="1" i="1" dirty="0" smtClean="0">
-                <a:solidFill>
-                  <a:srgbClr val="00B050"/>
-                </a:solidFill>
-              </a:rPr>
+              <a:rPr lang="en-US" sz="6000" b="1" i="1" dirty="0"/>
               <a:t> ho </a:t>
             </a:r>
             <a:r>
-              <a:rPr lang="en-US" sz="6000" b="1" i="1" dirty="0" err="1" smtClean="0">
-                <a:solidFill>
-                  <a:srgbClr val="00B050"/>
-                </a:solidFill>
-              </a:rPr>
+              <a:rPr lang="en-US" sz="6000" b="1" i="1" dirty="0" err="1"/>
               <a:t>an’Andriamanitra</a:t>
             </a:r>
-            <a:endParaRPr lang="fr-FR" sz="6000" b="1" i="1" dirty="0" smtClean="0">
-              <a:solidFill>
-                <a:srgbClr val="00B050"/>
-              </a:solidFill>
-            </a:endParaRPr>
+            <a:endParaRPr lang="fr-FR" sz="6000" b="1" i="1" dirty="0"/>
           </a:p>
         </p:txBody>
       </p:sp>
